--- a/slides/06-Java面向对象编程-类的特性.pptx
+++ b/slides/06-Java面向对象编程-类的特性.pptx
@@ -5,7 +5,7 @@
     <p:sldMasterId id="2147483648" r:id="rId1"/>
   </p:sldMasterIdLst>
   <p:notesMasterIdLst>
-    <p:notesMasterId r:id="rId24"/>
+    <p:notesMasterId r:id="rId25"/>
   </p:notesMasterIdLst>
   <p:sldIdLst>
     <p:sldId id="386" r:id="rId2"/>
@@ -29,12 +29,13 @@
     <p:sldId id="383" r:id="rId20"/>
     <p:sldId id="384" r:id="rId21"/>
     <p:sldId id="385" r:id="rId22"/>
-    <p:sldId id="295" r:id="rId23"/>
+    <p:sldId id="387" r:id="rId23"/>
+    <p:sldId id="295" r:id="rId24"/>
   </p:sldIdLst>
   <p:sldSz cx="9144000" cy="5143500" type="screen16x9"/>
   <p:notesSz cx="6858000" cy="9144000"/>
   <p:custDataLst>
-    <p:tags r:id="rId25"/>
+    <p:tags r:id="rId26"/>
   </p:custDataLst>
   <p:defaultTextStyle>
     <a:defPPr>
@@ -198,6 +199,7 @@
 <file path=ppt/revisionInfo.xml><?xml version="1.0" encoding="utf-8"?>
 <p1510:revInfo xmlns:a="http://schemas.openxmlformats.org/drawingml/2006/main" xmlns:r="http://schemas.openxmlformats.org/officeDocument/2006/relationships" xmlns:p1510="http://schemas.microsoft.com/office/powerpoint/2015/10/main">
   <p1510:revLst>
+    <p1510:client id="{69772F59-9B9B-47A9-8585-F757E0ADBE2D}" v="2" dt="2024-03-13T07:02:06.841"/>
     <p1510:client id="{ED1D3F12-90EF-4D8D-802D-D6A72C8B04DD}" v="1" dt="2024-03-13T02:08:16.511"/>
   </p1510:revLst>
 </p1510:revInfo>
@@ -507,6 +509,38 @@
       </pc:sldChg>
     </pc:docChg>
   </pc:docChgLst>
+  <pc:docChgLst>
+    <pc:chgData name="pdcxs" userId="f53f700a-6709-4045-8975-3edaa594be1c" providerId="ADAL" clId="{69772F59-9B9B-47A9-8585-F757E0ADBE2D}"/>
+    <pc:docChg chg="undo custSel addSld modSld">
+      <pc:chgData name="pdcxs" userId="f53f700a-6709-4045-8975-3edaa594be1c" providerId="ADAL" clId="{69772F59-9B9B-47A9-8585-F757E0ADBE2D}" dt="2024-03-13T07:05:14.337" v="452" actId="20577"/>
+      <pc:docMkLst>
+        <pc:docMk/>
+      </pc:docMkLst>
+      <pc:sldChg chg="modSp add mod">
+        <pc:chgData name="pdcxs" userId="f53f700a-6709-4045-8975-3edaa594be1c" providerId="ADAL" clId="{69772F59-9B9B-47A9-8585-F757E0ADBE2D}" dt="2024-03-13T07:05:14.337" v="452" actId="20577"/>
+        <pc:sldMkLst>
+          <pc:docMk/>
+          <pc:sldMk cId="1851716824" sldId="387"/>
+        </pc:sldMkLst>
+        <pc:spChg chg="mod">
+          <ac:chgData name="pdcxs" userId="f53f700a-6709-4045-8975-3edaa594be1c" providerId="ADAL" clId="{69772F59-9B9B-47A9-8585-F757E0ADBE2D}" dt="2024-03-13T06:58:20.266" v="13" actId="20577"/>
+          <ac:spMkLst>
+            <pc:docMk/>
+            <pc:sldMk cId="1851716824" sldId="387"/>
+            <ac:spMk id="12" creationId="{D526FFB2-B134-B45A-4462-7F2BB60530C3}"/>
+          </ac:spMkLst>
+        </pc:spChg>
+        <pc:spChg chg="mod">
+          <ac:chgData name="pdcxs" userId="f53f700a-6709-4045-8975-3edaa594be1c" providerId="ADAL" clId="{69772F59-9B9B-47A9-8585-F757E0ADBE2D}" dt="2024-03-13T07:05:14.337" v="452" actId="20577"/>
+          <ac:spMkLst>
+            <pc:docMk/>
+            <pc:sldMk cId="1851716824" sldId="387"/>
+            <ac:spMk id="15" creationId="{A024B663-17A3-0CD8-089F-007F33CBCDF8}"/>
+          </ac:spMkLst>
+        </pc:spChg>
+      </pc:sldChg>
+    </pc:docChg>
+  </pc:docChgLst>
 </pc:chgInfo>
 </file>
 
@@ -2131,6 +2165,114 @@
   <p:cSld>
     <p:spTree>
       <p:nvGrpSpPr>
+        <p:cNvPr id="1" name="">
+          <a:extLst>
+            <a:ext uri="{FF2B5EF4-FFF2-40B4-BE49-F238E27FC236}">
+              <a16:creationId xmlns:a16="http://schemas.microsoft.com/office/drawing/2014/main" id="{E17E7E00-5EA6-60DA-E921-9EBD122A25FB}"/>
+            </a:ext>
+          </a:extLst>
+        </p:cNvPr>
+        <p:cNvGrpSpPr/>
+        <p:nvPr/>
+      </p:nvGrpSpPr>
+      <p:grpSpPr>
+        <a:xfrm>
+          <a:off x="0" y="0"/>
+          <a:ext cx="0" cy="0"/>
+          <a:chOff x="0" y="0"/>
+          <a:chExt cx="0" cy="0"/>
+        </a:xfrm>
+      </p:grpSpPr>
+      <p:sp>
+        <p:nvSpPr>
+          <p:cNvPr id="2" name="幻灯片图像占位符 1">
+            <a:extLst>
+              <a:ext uri="{FF2B5EF4-FFF2-40B4-BE49-F238E27FC236}">
+                <a16:creationId xmlns:a16="http://schemas.microsoft.com/office/drawing/2014/main" id="{FE0EEBBC-99D5-70BE-D950-69C137577962}"/>
+              </a:ext>
+            </a:extLst>
+          </p:cNvPr>
+          <p:cNvSpPr>
+            <a:spLocks noGrp="1" noRot="1" noChangeAspect="1"/>
+          </p:cNvSpPr>
+          <p:nvPr>
+            <p:ph type="sldImg"/>
+          </p:nvPr>
+        </p:nvSpPr>
+        <p:spPr/>
+      </p:sp>
+      <p:sp>
+        <p:nvSpPr>
+          <p:cNvPr id="3" name="备注占位符 2">
+            <a:extLst>
+              <a:ext uri="{FF2B5EF4-FFF2-40B4-BE49-F238E27FC236}">
+                <a16:creationId xmlns:a16="http://schemas.microsoft.com/office/drawing/2014/main" id="{47EB277E-659A-85AD-EAA4-7ABB2030D243}"/>
+              </a:ext>
+            </a:extLst>
+          </p:cNvPr>
+          <p:cNvSpPr>
+            <a:spLocks noGrp="1"/>
+          </p:cNvSpPr>
+          <p:nvPr>
+            <p:ph type="body" idx="1"/>
+          </p:nvPr>
+        </p:nvSpPr>
+        <p:spPr/>
+        <p:txBody>
+          <a:bodyPr/>
+          <a:lstStyle/>
+          <a:p>
+            <a:endParaRPr lang="zh-CN" altLang="en-US" dirty="0"/>
+          </a:p>
+        </p:txBody>
+      </p:sp>
+      <p:sp>
+        <p:nvSpPr>
+          <p:cNvPr id="4" name="灯片编号占位符 3">
+            <a:extLst>
+              <a:ext uri="{FF2B5EF4-FFF2-40B4-BE49-F238E27FC236}">
+                <a16:creationId xmlns:a16="http://schemas.microsoft.com/office/drawing/2014/main" id="{D5F28B0B-983E-7E5E-2334-E36229986831}"/>
+              </a:ext>
+            </a:extLst>
+          </p:cNvPr>
+          <p:cNvSpPr>
+            <a:spLocks noGrp="1"/>
+          </p:cNvSpPr>
+          <p:nvPr>
+            <p:ph type="sldNum" sz="quarter" idx="10"/>
+          </p:nvPr>
+        </p:nvSpPr>
+        <p:spPr/>
+        <p:txBody>
+          <a:bodyPr/>
+          <a:lstStyle/>
+          <a:p>
+            <a:fld id="{74AC173A-3DA8-4893-B28A-1E15F55C330A}" type="slidenum">
+              <a:rPr lang="zh-CN" altLang="en-US" smtClean="0"/>
+              <a:t>22</a:t>
+            </a:fld>
+            <a:endParaRPr lang="zh-CN" altLang="en-US"/>
+          </a:p>
+        </p:txBody>
+      </p:sp>
+    </p:spTree>
+    <p:extLst>
+      <p:ext uri="{BB962C8B-B14F-4D97-AF65-F5344CB8AC3E}">
+        <p14:creationId xmlns:p14="http://schemas.microsoft.com/office/powerpoint/2010/main" val="448781139"/>
+      </p:ext>
+    </p:extLst>
+  </p:cSld>
+  <p:clrMapOvr>
+    <a:masterClrMapping/>
+  </p:clrMapOvr>
+</p:notes>
+</file>
+
+<file path=ppt/notesSlides/notesSlide23.xml><?xml version="1.0" encoding="utf-8"?>
+<p:notes xmlns:a="http://schemas.openxmlformats.org/drawingml/2006/main" xmlns:r="http://schemas.openxmlformats.org/officeDocument/2006/relationships" xmlns:p="http://schemas.openxmlformats.org/presentationml/2006/main">
+  <p:cSld>
+    <p:spTree>
+      <p:nvGrpSpPr>
         <p:cNvPr id="1" name=""/>
         <p:cNvGrpSpPr/>
         <p:nvPr/>
@@ -2197,7 +2339,7 @@
               <a:pPr>
                 <a:defRPr/>
               </a:pPr>
-              <a:t>22</a:t>
+              <a:t>23</a:t>
             </a:fld>
             <a:endParaRPr lang="zh-CN" altLang="en-US"/>
           </a:p>
@@ -4400,7 +4542,7 @@
         <p:random/>
       </p:transition>
     </mc:Choice>
-    <mc:Fallback xmlns="" xmlns:p15="http://schemas.microsoft.com/office/powerpoint/2012/main">
+    <mc:Fallback xmlns:p15="http://schemas.microsoft.com/office/powerpoint/2012/main" xmlns="">
       <p:transition spd="slow" advClick="0">
         <p:random/>
       </p:transition>
@@ -7438,7 +7580,7 @@
         <p:blinds dir="vert"/>
       </p:transition>
     </mc:Choice>
-    <mc:Fallback xmlns="" xmlns:p15="http://schemas.microsoft.com/office/powerpoint/2012/main">
+    <mc:Fallback xmlns:p15="http://schemas.microsoft.com/office/powerpoint/2012/main" xmlns="">
       <p:transition spd="slow" advClick="0">
         <p:blinds dir="vert"/>
       </p:transition>
@@ -16747,7 +16889,7 @@
         <p14:prism/>
       </p:transition>
     </mc:Choice>
-    <mc:Fallback xmlns="" xmlns:p15="http://schemas.microsoft.com/office/powerpoint/2012/main">
+    <mc:Fallback xmlns:p15="http://schemas.microsoft.com/office/powerpoint/2012/main" xmlns="">
       <p:transition spd="slow" advClick="0">
         <p:fade/>
       </p:transition>
@@ -18161,6 +18303,627 @@
 </file>
 
 <file path=ppt/slides/slide22.xml><?xml version="1.0" encoding="utf-8"?>
+<p:sld xmlns:a="http://schemas.openxmlformats.org/drawingml/2006/main" xmlns:r="http://schemas.openxmlformats.org/officeDocument/2006/relationships" xmlns:p="http://schemas.openxmlformats.org/presentationml/2006/main">
+  <p:cSld>
+    <p:spTree>
+      <p:nvGrpSpPr>
+        <p:cNvPr id="1" name="">
+          <a:extLst>
+            <a:ext uri="{FF2B5EF4-FFF2-40B4-BE49-F238E27FC236}">
+              <a16:creationId xmlns:a16="http://schemas.microsoft.com/office/drawing/2014/main" id="{39B22461-5394-0777-2DC8-39098A853DE4}"/>
+            </a:ext>
+          </a:extLst>
+        </p:cNvPr>
+        <p:cNvGrpSpPr/>
+        <p:nvPr/>
+      </p:nvGrpSpPr>
+      <p:grpSpPr>
+        <a:xfrm>
+          <a:off x="0" y="0"/>
+          <a:ext cx="0" cy="0"/>
+          <a:chOff x="0" y="0"/>
+          <a:chExt cx="0" cy="0"/>
+        </a:xfrm>
+      </p:grpSpPr>
+      <p:sp>
+        <p:nvSpPr>
+          <p:cNvPr id="14" name="矩形 13">
+            <a:extLst>
+              <a:ext uri="{FF2B5EF4-FFF2-40B4-BE49-F238E27FC236}">
+                <a16:creationId xmlns:a16="http://schemas.microsoft.com/office/drawing/2014/main" id="{976344FF-7A39-8E0F-9175-DE3609686B56}"/>
+              </a:ext>
+            </a:extLst>
+          </p:cNvPr>
+          <p:cNvSpPr/>
+          <p:nvPr/>
+        </p:nvSpPr>
+        <p:spPr>
+          <a:xfrm>
+            <a:off x="107504" y="123478"/>
+            <a:ext cx="8928992" cy="4896544"/>
+          </a:xfrm>
+          <a:prstGeom prst="rect">
+            <a:avLst/>
+          </a:prstGeom>
+          <a:noFill/>
+          <a:ln>
+            <a:solidFill>
+              <a:srgbClr val="253C8E"/>
+            </a:solidFill>
+          </a:ln>
+        </p:spPr>
+        <p:style>
+          <a:lnRef idx="2">
+            <a:schemeClr val="accent1">
+              <a:shade val="50000"/>
+            </a:schemeClr>
+          </a:lnRef>
+          <a:fillRef idx="1">
+            <a:schemeClr val="accent1"/>
+          </a:fillRef>
+          <a:effectRef idx="0">
+            <a:schemeClr val="accent1"/>
+          </a:effectRef>
+          <a:fontRef idx="minor">
+            <a:schemeClr val="lt1"/>
+          </a:fontRef>
+        </p:style>
+        <p:txBody>
+          <a:bodyPr rtlCol="0" anchor="ctr"/>
+          <a:lstStyle/>
+          <a:p>
+            <a:pPr algn="ctr"/>
+            <a:endParaRPr lang="zh-CN" altLang="en-US"/>
+          </a:p>
+        </p:txBody>
+      </p:sp>
+      <p:grpSp>
+        <p:nvGrpSpPr>
+          <p:cNvPr id="2" name="组合 1">
+            <a:extLst>
+              <a:ext uri="{FF2B5EF4-FFF2-40B4-BE49-F238E27FC236}">
+                <a16:creationId xmlns:a16="http://schemas.microsoft.com/office/drawing/2014/main" id="{38E45AAA-2B56-F19A-4B92-4FA90095C074}"/>
+              </a:ext>
+            </a:extLst>
+          </p:cNvPr>
+          <p:cNvGrpSpPr/>
+          <p:nvPr/>
+        </p:nvGrpSpPr>
+        <p:grpSpPr>
+          <a:xfrm>
+            <a:off x="264586" y="255969"/>
+            <a:ext cx="1127385" cy="415370"/>
+            <a:chOff x="264586" y="255969"/>
+            <a:chExt cx="1127385" cy="415370"/>
+          </a:xfrm>
+        </p:grpSpPr>
+        <p:grpSp>
+          <p:nvGrpSpPr>
+            <p:cNvPr id="8" name="组合 11">
+              <a:extLst>
+                <a:ext uri="{FF2B5EF4-FFF2-40B4-BE49-F238E27FC236}">
+                  <a16:creationId xmlns:a16="http://schemas.microsoft.com/office/drawing/2014/main" id="{692FA41D-DF10-DEDD-D9AC-D1D2BAC73CD5}"/>
+                </a:ext>
+              </a:extLst>
+            </p:cNvPr>
+            <p:cNvGrpSpPr/>
+            <p:nvPr/>
+          </p:nvGrpSpPr>
+          <p:grpSpPr>
+            <a:xfrm>
+              <a:off x="264586" y="344024"/>
+              <a:ext cx="369008" cy="239261"/>
+              <a:chOff x="3017520" y="601990"/>
+              <a:chExt cx="491490" cy="414010"/>
+            </a:xfrm>
+            <a:solidFill>
+              <a:srgbClr val="253C8E"/>
+            </a:solidFill>
+          </p:grpSpPr>
+          <p:sp>
+            <p:nvSpPr>
+              <p:cNvPr id="9" name="燕尾形 42">
+                <a:extLst>
+                  <a:ext uri="{FF2B5EF4-FFF2-40B4-BE49-F238E27FC236}">
+                    <a16:creationId xmlns:a16="http://schemas.microsoft.com/office/drawing/2014/main" id="{5A3C5548-02AE-0216-4E25-9C873FD4ED6F}"/>
+                  </a:ext>
+                </a:extLst>
+              </p:cNvPr>
+              <p:cNvSpPr/>
+              <p:nvPr/>
+            </p:nvSpPr>
+            <p:spPr>
+              <a:xfrm>
+                <a:off x="3017520" y="601990"/>
+                <a:ext cx="198181" cy="414010"/>
+              </a:xfrm>
+              <a:prstGeom prst="chevron">
+                <a:avLst/>
+              </a:prstGeom>
+              <a:grpFill/>
+              <a:ln>
+                <a:noFill/>
+              </a:ln>
+            </p:spPr>
+            <p:style>
+              <a:lnRef idx="2">
+                <a:schemeClr val="accent1">
+                  <a:shade val="50000"/>
+                </a:schemeClr>
+              </a:lnRef>
+              <a:fillRef idx="1">
+                <a:schemeClr val="accent1"/>
+              </a:fillRef>
+              <a:effectRef idx="0">
+                <a:schemeClr val="accent1"/>
+              </a:effectRef>
+              <a:fontRef idx="minor">
+                <a:schemeClr val="lt1"/>
+              </a:fontRef>
+            </p:style>
+            <p:txBody>
+              <a:bodyPr anchor="ctr"/>
+              <a:lstStyle/>
+              <a:p>
+                <a:pPr algn="ctr">
+                  <a:defRPr/>
+                </a:pPr>
+                <a:endParaRPr lang="zh-CN" altLang="en-US">
+                  <a:solidFill>
+                    <a:schemeClr val="tx1"/>
+                  </a:solidFill>
+                </a:endParaRPr>
+              </a:p>
+            </p:txBody>
+          </p:sp>
+          <p:sp>
+            <p:nvSpPr>
+              <p:cNvPr id="10" name="燕尾形 43">
+                <a:extLst>
+                  <a:ext uri="{FF2B5EF4-FFF2-40B4-BE49-F238E27FC236}">
+                    <a16:creationId xmlns:a16="http://schemas.microsoft.com/office/drawing/2014/main" id="{14600E81-C5D2-CD76-3D93-5C83B4D13710}"/>
+                  </a:ext>
+                </a:extLst>
+              </p:cNvPr>
+              <p:cNvSpPr/>
+              <p:nvPr/>
+            </p:nvSpPr>
+            <p:spPr>
+              <a:xfrm>
+                <a:off x="3164967" y="601990"/>
+                <a:ext cx="196596" cy="414010"/>
+              </a:xfrm>
+              <a:prstGeom prst="chevron">
+                <a:avLst/>
+              </a:prstGeom>
+              <a:grpFill/>
+              <a:ln>
+                <a:noFill/>
+              </a:ln>
+            </p:spPr>
+            <p:style>
+              <a:lnRef idx="2">
+                <a:schemeClr val="accent1">
+                  <a:shade val="50000"/>
+                </a:schemeClr>
+              </a:lnRef>
+              <a:fillRef idx="1">
+                <a:schemeClr val="accent1"/>
+              </a:fillRef>
+              <a:effectRef idx="0">
+                <a:schemeClr val="accent1"/>
+              </a:effectRef>
+              <a:fontRef idx="minor">
+                <a:schemeClr val="lt1"/>
+              </a:fontRef>
+            </p:style>
+            <p:txBody>
+              <a:bodyPr anchor="ctr"/>
+              <a:lstStyle/>
+              <a:p>
+                <a:pPr algn="ctr">
+                  <a:defRPr/>
+                </a:pPr>
+                <a:endParaRPr lang="zh-CN" altLang="en-US">
+                  <a:solidFill>
+                    <a:schemeClr val="tx1"/>
+                  </a:solidFill>
+                </a:endParaRPr>
+              </a:p>
+            </p:txBody>
+          </p:sp>
+          <p:sp>
+            <p:nvSpPr>
+              <p:cNvPr id="11" name="燕尾形 44">
+                <a:extLst>
+                  <a:ext uri="{FF2B5EF4-FFF2-40B4-BE49-F238E27FC236}">
+                    <a16:creationId xmlns:a16="http://schemas.microsoft.com/office/drawing/2014/main" id="{1791693F-F3E3-76DF-5F64-6EA6767BB731}"/>
+                  </a:ext>
+                </a:extLst>
+              </p:cNvPr>
+              <p:cNvSpPr/>
+              <p:nvPr/>
+            </p:nvSpPr>
+            <p:spPr>
+              <a:xfrm>
+                <a:off x="3310828" y="601990"/>
+                <a:ext cx="198182" cy="414010"/>
+              </a:xfrm>
+              <a:prstGeom prst="chevron">
+                <a:avLst/>
+              </a:prstGeom>
+              <a:grpFill/>
+              <a:ln>
+                <a:noFill/>
+              </a:ln>
+            </p:spPr>
+            <p:style>
+              <a:lnRef idx="2">
+                <a:schemeClr val="accent1">
+                  <a:shade val="50000"/>
+                </a:schemeClr>
+              </a:lnRef>
+              <a:fillRef idx="1">
+                <a:schemeClr val="accent1"/>
+              </a:fillRef>
+              <a:effectRef idx="0">
+                <a:schemeClr val="accent1"/>
+              </a:effectRef>
+              <a:fontRef idx="minor">
+                <a:schemeClr val="lt1"/>
+              </a:fontRef>
+            </p:style>
+            <p:txBody>
+              <a:bodyPr anchor="ctr"/>
+              <a:lstStyle/>
+              <a:p>
+                <a:pPr algn="ctr">
+                  <a:defRPr/>
+                </a:pPr>
+                <a:endParaRPr lang="zh-CN" altLang="en-US">
+                  <a:solidFill>
+                    <a:schemeClr val="tx1"/>
+                  </a:solidFill>
+                </a:endParaRPr>
+              </a:p>
+            </p:txBody>
+          </p:sp>
+        </p:grpSp>
+        <p:sp>
+          <p:nvSpPr>
+            <p:cNvPr id="12" name="文本框 5">
+              <a:extLst>
+                <a:ext uri="{FF2B5EF4-FFF2-40B4-BE49-F238E27FC236}">
+                  <a16:creationId xmlns:a16="http://schemas.microsoft.com/office/drawing/2014/main" id="{D526FFB2-B134-B45A-4462-7F2BB60530C3}"/>
+                </a:ext>
+              </a:extLst>
+            </p:cNvPr>
+            <p:cNvSpPr txBox="1">
+              <a:spLocks noChangeArrowheads="1"/>
+            </p:cNvSpPr>
+            <p:nvPr/>
+          </p:nvSpPr>
+          <p:spPr bwMode="auto">
+            <a:xfrm>
+              <a:off x="668696" y="255969"/>
+              <a:ext cx="723275" cy="415370"/>
+            </a:xfrm>
+            <a:prstGeom prst="rect">
+              <a:avLst/>
+            </a:prstGeom>
+            <a:noFill/>
+            <a:ln>
+              <a:noFill/>
+            </a:ln>
+          </p:spPr>
+          <p:txBody>
+            <a:bodyPr wrap="none">
+              <a:spAutoFit/>
+            </a:bodyPr>
+            <a:lstStyle/>
+            <a:p>
+              <a:r>
+                <a:rPr lang="zh-CN" altLang="en-US" sz="2099" dirty="0">
+                  <a:solidFill>
+                    <a:srgbClr val="253C8E"/>
+                  </a:solidFill>
+                  <a:latin typeface="微软雅黑 Light" panose="020B0502040204020203" pitchFamily="34" charset="-122"/>
+                  <a:ea typeface="微软雅黑 Light" panose="020B0502040204020203" pitchFamily="34" charset="-122"/>
+                </a:rPr>
+                <a:t>作业</a:t>
+              </a:r>
+              <a:endParaRPr lang="en-US" altLang="zh-CN" sz="2099" dirty="0">
+                <a:solidFill>
+                  <a:srgbClr val="253C8E"/>
+                </a:solidFill>
+                <a:latin typeface="微软雅黑 Light" panose="020B0502040204020203" pitchFamily="34" charset="-122"/>
+                <a:ea typeface="微软雅黑 Light" panose="020B0502040204020203" pitchFamily="34" charset="-122"/>
+              </a:endParaRPr>
+            </a:p>
+          </p:txBody>
+        </p:sp>
+      </p:grpSp>
+      <p:sp>
+        <p:nvSpPr>
+          <p:cNvPr id="15" name="文本框 14">
+            <a:extLst>
+              <a:ext uri="{FF2B5EF4-FFF2-40B4-BE49-F238E27FC236}">
+                <a16:creationId xmlns:a16="http://schemas.microsoft.com/office/drawing/2014/main" id="{A024B663-17A3-0CD8-089F-007F33CBCDF8}"/>
+              </a:ext>
+            </a:extLst>
+          </p:cNvPr>
+          <p:cNvSpPr txBox="1"/>
+          <p:nvPr/>
+        </p:nvSpPr>
+        <p:spPr>
+          <a:xfrm>
+            <a:off x="110707" y="699542"/>
+            <a:ext cx="8925789" cy="2554545"/>
+          </a:xfrm>
+          <a:prstGeom prst="rect">
+            <a:avLst/>
+          </a:prstGeom>
+          <a:noFill/>
+        </p:spPr>
+        <p:txBody>
+          <a:bodyPr wrap="square">
+            <a:spAutoFit/>
+          </a:bodyPr>
+          <a:lstStyle/>
+          <a:p>
+            <a:pPr marL="285750" indent="-285750">
+              <a:buFont typeface="Arial" panose="020B0604020202020204" pitchFamily="34" charset="0"/>
+              <a:buChar char="•"/>
+            </a:pPr>
+            <a:r>
+              <a:rPr lang="zh-CN" altLang="en-US" sz="2000" dirty="0">
+                <a:latin typeface="微软雅黑" panose="020B0503020204020204" pitchFamily="34" charset="-122"/>
+                <a:ea typeface="微软雅黑" panose="020B0503020204020204" pitchFamily="34" charset="-122"/>
+              </a:rPr>
+              <a:t>从</a:t>
+            </a:r>
+            <a:r>
+              <a:rPr lang="en-US" altLang="zh-CN" sz="2000" dirty="0">
+                <a:latin typeface="微软雅黑" panose="020B0503020204020204" pitchFamily="34" charset="-122"/>
+                <a:ea typeface="微软雅黑" panose="020B0503020204020204" pitchFamily="34" charset="-122"/>
+              </a:rPr>
+              <a:t>processing.org</a:t>
+            </a:r>
+            <a:r>
+              <a:rPr lang="zh-CN" altLang="en-US" sz="2000" dirty="0">
+                <a:latin typeface="微软雅黑" panose="020B0503020204020204" pitchFamily="34" charset="-122"/>
+                <a:ea typeface="微软雅黑" panose="020B0503020204020204" pitchFamily="34" charset="-122"/>
+              </a:rPr>
+              <a:t>网站下载</a:t>
+            </a:r>
+            <a:r>
+              <a:rPr lang="en-US" altLang="zh-CN" sz="2000" dirty="0">
+                <a:latin typeface="微软雅黑" panose="020B0503020204020204" pitchFamily="34" charset="-122"/>
+                <a:ea typeface="微软雅黑" panose="020B0503020204020204" pitchFamily="34" charset="-122"/>
+              </a:rPr>
+              <a:t>processing</a:t>
+            </a:r>
+            <a:r>
+              <a:rPr lang="zh-CN" altLang="en-US" sz="2000" dirty="0">
+                <a:latin typeface="微软雅黑" panose="020B0503020204020204" pitchFamily="34" charset="-122"/>
+                <a:ea typeface="微软雅黑" panose="020B0503020204020204" pitchFamily="34" charset="-122"/>
+              </a:rPr>
+              <a:t>程序，并运行以下程序：</a:t>
+            </a:r>
+            <a:r>
+              <a:rPr lang="en-US" altLang="zh-CN" sz="2000" dirty="0">
+                <a:latin typeface="微软雅黑" panose="020B0503020204020204" pitchFamily="34" charset="-122"/>
+                <a:ea typeface="微软雅黑" panose="020B0503020204020204" pitchFamily="34" charset="-122"/>
+                <a:hlinkClick r:id="rId3"/>
+              </a:rPr>
+              <a:t>https://github.com/pdcxs/java-class-material/tree/main/demo/classdetails/src/StaticExample</a:t>
+            </a:r>
+            <a:endParaRPr lang="en-US" altLang="zh-CN" sz="2000" dirty="0">
+              <a:latin typeface="微软雅黑" panose="020B0503020204020204" pitchFamily="34" charset="-122"/>
+              <a:ea typeface="微软雅黑" panose="020B0503020204020204" pitchFamily="34" charset="-122"/>
+            </a:endParaRPr>
+          </a:p>
+          <a:p>
+            <a:pPr marL="285750" indent="-285750">
+              <a:buFont typeface="Arial" panose="020B0604020202020204" pitchFamily="34" charset="0"/>
+              <a:buChar char="•"/>
+            </a:pPr>
+            <a:r>
+              <a:rPr lang="zh-CN" altLang="en-US" sz="2000" dirty="0">
+                <a:latin typeface="微软雅黑" panose="020B0503020204020204" pitchFamily="34" charset="-122"/>
+                <a:ea typeface="微软雅黑" panose="020B0503020204020204" pitchFamily="34" charset="-122"/>
+              </a:rPr>
+              <a:t>改变该程序中的 </a:t>
+            </a:r>
+            <a:r>
+              <a:rPr lang="en-US" altLang="zh-CN" sz="2000" dirty="0">
+                <a:latin typeface="微软雅黑" panose="020B0503020204020204" pitchFamily="34" charset="-122"/>
+                <a:ea typeface="微软雅黑" panose="020B0503020204020204" pitchFamily="34" charset="-122"/>
+              </a:rPr>
+              <a:t>class Ball</a:t>
+            </a:r>
+            <a:r>
+              <a:rPr lang="zh-CN" altLang="en-US" sz="2000" dirty="0">
+                <a:latin typeface="微软雅黑" panose="020B0503020204020204" pitchFamily="34" charset="-122"/>
+                <a:ea typeface="微软雅黑" panose="020B0503020204020204" pitchFamily="34" charset="-122"/>
+              </a:rPr>
+              <a:t>，使其可以：</a:t>
+            </a:r>
+            <a:endParaRPr lang="en-US" altLang="zh-CN" sz="2000" dirty="0">
+              <a:latin typeface="微软雅黑" panose="020B0503020204020204" pitchFamily="34" charset="-122"/>
+              <a:ea typeface="微软雅黑" panose="020B0503020204020204" pitchFamily="34" charset="-122"/>
+            </a:endParaRPr>
+          </a:p>
+          <a:p>
+            <a:pPr marL="914400" lvl="1" indent="-457200">
+              <a:buFont typeface="+mj-lt"/>
+              <a:buAutoNum type="arabicPeriod"/>
+            </a:pPr>
+            <a:r>
+              <a:rPr lang="zh-CN" altLang="en-US" sz="2000" dirty="0">
+                <a:latin typeface="微软雅黑" panose="020B0503020204020204" pitchFamily="34" charset="-122"/>
+                <a:ea typeface="微软雅黑" panose="020B0503020204020204" pitchFamily="34" charset="-122"/>
+              </a:rPr>
+              <a:t>每一个</a:t>
+            </a:r>
+            <a:r>
+              <a:rPr lang="en-US" altLang="zh-CN" sz="2000" dirty="0">
+                <a:latin typeface="微软雅黑" panose="020B0503020204020204" pitchFamily="34" charset="-122"/>
+                <a:ea typeface="微软雅黑" panose="020B0503020204020204" pitchFamily="34" charset="-122"/>
+              </a:rPr>
+              <a:t>Ball</a:t>
+            </a:r>
+            <a:r>
+              <a:rPr lang="zh-CN" altLang="en-US" sz="2000" dirty="0">
+                <a:latin typeface="微软雅黑" panose="020B0503020204020204" pitchFamily="34" charset="-122"/>
+                <a:ea typeface="微软雅黑" panose="020B0503020204020204" pitchFamily="34" charset="-122"/>
+              </a:rPr>
+              <a:t>有不同的</a:t>
+            </a:r>
+            <a:r>
+              <a:rPr lang="en-US" altLang="zh-CN" sz="2000" dirty="0">
+                <a:latin typeface="微软雅黑" panose="020B0503020204020204" pitchFamily="34" charset="-122"/>
+                <a:ea typeface="微软雅黑" panose="020B0503020204020204" pitchFamily="34" charset="-122"/>
+              </a:rPr>
+              <a:t>radius</a:t>
+            </a:r>
+            <a:r>
+              <a:rPr lang="zh-CN" altLang="en-US" sz="2000" dirty="0">
+                <a:latin typeface="微软雅黑" panose="020B0503020204020204" pitchFamily="34" charset="-122"/>
+                <a:ea typeface="微软雅黑" panose="020B0503020204020204" pitchFamily="34" charset="-122"/>
+              </a:rPr>
+              <a:t>，并在初始化时确定一个随机值。</a:t>
+            </a:r>
+            <a:endParaRPr lang="en-US" altLang="zh-CN" sz="2000" dirty="0">
+              <a:latin typeface="微软雅黑" panose="020B0503020204020204" pitchFamily="34" charset="-122"/>
+              <a:ea typeface="微软雅黑" panose="020B0503020204020204" pitchFamily="34" charset="-122"/>
+            </a:endParaRPr>
+          </a:p>
+          <a:p>
+            <a:pPr marL="914400" lvl="1" indent="-457200">
+              <a:buFont typeface="+mj-lt"/>
+              <a:buAutoNum type="arabicPeriod"/>
+            </a:pPr>
+            <a:r>
+              <a:rPr lang="zh-CN" altLang="en-US" sz="2000" dirty="0">
+                <a:latin typeface="微软雅黑" panose="020B0503020204020204" pitchFamily="34" charset="-122"/>
+                <a:ea typeface="微软雅黑" panose="020B0503020204020204" pitchFamily="34" charset="-122"/>
+              </a:rPr>
+              <a:t>形状不同，可能画出圆或者三角。</a:t>
+            </a:r>
+            <a:endParaRPr lang="en-US" altLang="zh-CN" sz="2000" dirty="0">
+              <a:latin typeface="微软雅黑" panose="020B0503020204020204" pitchFamily="34" charset="-122"/>
+              <a:ea typeface="微软雅黑" panose="020B0503020204020204" pitchFamily="34" charset="-122"/>
+            </a:endParaRPr>
+          </a:p>
+          <a:p>
+            <a:pPr marL="457200" indent="-457200">
+              <a:buFont typeface="Arial" panose="020B0604020202020204" pitchFamily="34" charset="0"/>
+              <a:buChar char="•"/>
+            </a:pPr>
+            <a:r>
+              <a:rPr lang="zh-CN" altLang="en-US" sz="2000" dirty="0">
+                <a:latin typeface="微软雅黑" panose="020B0503020204020204" pitchFamily="34" charset="-122"/>
+                <a:ea typeface="微软雅黑" panose="020B0503020204020204" pitchFamily="34" charset="-122"/>
+              </a:rPr>
+              <a:t>将程序打包成</a:t>
+            </a:r>
+            <a:r>
+              <a:rPr lang="en-US" altLang="zh-CN" sz="2000" dirty="0">
+                <a:latin typeface="微软雅黑" panose="020B0503020204020204" pitchFamily="34" charset="-122"/>
+                <a:ea typeface="微软雅黑" panose="020B0503020204020204" pitchFamily="34" charset="-122"/>
+              </a:rPr>
+              <a:t>zip</a:t>
+            </a:r>
+            <a:r>
+              <a:rPr lang="zh-CN" altLang="en-US" sz="2000" dirty="0">
+                <a:latin typeface="微软雅黑" panose="020B0503020204020204" pitchFamily="34" charset="-122"/>
+                <a:ea typeface="微软雅黑" panose="020B0503020204020204" pitchFamily="34" charset="-122"/>
+              </a:rPr>
+              <a:t>文件，命名式为学号</a:t>
+            </a:r>
+            <a:r>
+              <a:rPr lang="en-US" altLang="zh-CN" sz="2000" dirty="0">
+                <a:latin typeface="微软雅黑" panose="020B0503020204020204" pitchFamily="34" charset="-122"/>
+                <a:ea typeface="微软雅黑" panose="020B0503020204020204" pitchFamily="34" charset="-122"/>
+              </a:rPr>
+              <a:t>+</a:t>
+            </a:r>
+            <a:r>
+              <a:rPr lang="zh-CN" altLang="en-US" sz="2000" dirty="0">
+                <a:latin typeface="微软雅黑" panose="020B0503020204020204" pitchFamily="34" charset="-122"/>
+                <a:ea typeface="微软雅黑" panose="020B0503020204020204" pitchFamily="34" charset="-122"/>
+              </a:rPr>
+              <a:t>姓名，如：</a:t>
+            </a:r>
+            <a:r>
+              <a:rPr lang="en-US" altLang="zh-CN" sz="2000" dirty="0">
+                <a:latin typeface="微软雅黑" panose="020B0503020204020204" pitchFamily="34" charset="-122"/>
+                <a:ea typeface="微软雅黑" panose="020B0503020204020204" pitchFamily="34" charset="-122"/>
+              </a:rPr>
+              <a:t>20220001+</a:t>
+            </a:r>
+            <a:r>
+              <a:rPr lang="zh-CN" altLang="en-US" sz="2000" dirty="0">
+                <a:latin typeface="微软雅黑" panose="020B0503020204020204" pitchFamily="34" charset="-122"/>
+                <a:ea typeface="微软雅黑" panose="020B0503020204020204" pitchFamily="34" charset="-122"/>
+              </a:rPr>
+              <a:t>张三</a:t>
+            </a:r>
+            <a:r>
+              <a:rPr lang="en-US" altLang="zh-CN" sz="2000" dirty="0">
+                <a:latin typeface="微软雅黑" panose="020B0503020204020204" pitchFamily="34" charset="-122"/>
+                <a:ea typeface="微软雅黑" panose="020B0503020204020204" pitchFamily="34" charset="-122"/>
+              </a:rPr>
+              <a:t>.zip</a:t>
+            </a:r>
+            <a:r>
+              <a:rPr lang="zh-CN" altLang="en-US" sz="2000" dirty="0">
+                <a:latin typeface="微软雅黑" panose="020B0503020204020204" pitchFamily="34" charset="-122"/>
+                <a:ea typeface="微软雅黑" panose="020B0503020204020204" pitchFamily="34" charset="-122"/>
+              </a:rPr>
+              <a:t>。发送至</a:t>
+            </a:r>
+            <a:r>
+              <a:rPr lang="en-US" altLang="zh-CN" sz="2000" dirty="0">
+                <a:latin typeface="微软雅黑" panose="020B0503020204020204" pitchFamily="34" charset="-122"/>
+                <a:ea typeface="微软雅黑" panose="020B0503020204020204" pitchFamily="34" charset="-122"/>
+              </a:rPr>
+              <a:t>pdcxs@outlook.com</a:t>
+            </a:r>
+            <a:endParaRPr lang="zh-CN" altLang="en-US" sz="2000" dirty="0">
+              <a:latin typeface="微软雅黑" panose="020B0503020204020204" pitchFamily="34" charset="-122"/>
+              <a:ea typeface="微软雅黑" panose="020B0503020204020204" pitchFamily="34" charset="-122"/>
+            </a:endParaRPr>
+          </a:p>
+        </p:txBody>
+      </p:sp>
+    </p:spTree>
+    <p:extLst>
+      <p:ext uri="{BB962C8B-B14F-4D97-AF65-F5344CB8AC3E}">
+        <p14:creationId xmlns:p14="http://schemas.microsoft.com/office/powerpoint/2010/main" val="1851716824"/>
+      </p:ext>
+    </p:extLst>
+  </p:cSld>
+  <p:clrMapOvr>
+    <a:masterClrMapping/>
+  </p:clrMapOvr>
+  <mc:AlternateContent xmlns:mc="http://schemas.openxmlformats.org/markup-compatibility/2006" xmlns:p14="http://schemas.microsoft.com/office/powerpoint/2010/main">
+    <mc:Choice Requires="p14">
+      <p:transition spd="slow" p14:dur="1600" advClick="0">
+        <p:blinds dir="vert"/>
+      </p:transition>
+    </mc:Choice>
+    <mc:Fallback xmlns="">
+      <p:transition spd="slow" advClick="0">
+        <p:blinds dir="vert"/>
+      </p:transition>
+    </mc:Fallback>
+  </mc:AlternateContent>
+</p:sld>
+</file>
+
+<file path=ppt/slides/slide23.xml><?xml version="1.0" encoding="utf-8"?>
 <p:sld xmlns:a="http://schemas.openxmlformats.org/drawingml/2006/main" xmlns:r="http://schemas.openxmlformats.org/officeDocument/2006/relationships" xmlns:p="http://schemas.openxmlformats.org/presentationml/2006/main" showMasterSp="0">
   <p:cSld>
     <p:spTree>
@@ -18442,7 +19205,7 @@
     <mc:Choice Requires="p14">
       <p:transition spd="slow" p14:dur="2000" advClick="0"/>
     </mc:Choice>
-    <mc:Fallback xmlns="" xmlns:p15="http://schemas.microsoft.com/office/powerpoint/2012/main">
+    <mc:Fallback xmlns:p15="http://schemas.microsoft.com/office/powerpoint/2012/main" xmlns="">
       <p:transition spd="slow" advClick="0"/>
     </mc:Fallback>
   </mc:AlternateContent>
@@ -20900,7 +21663,7 @@
         <p:blinds dir="vert"/>
       </p:transition>
     </mc:Choice>
-    <mc:Fallback xmlns="" xmlns:p15="http://schemas.microsoft.com/office/powerpoint/2012/main">
+    <mc:Fallback xmlns:p15="http://schemas.microsoft.com/office/powerpoint/2012/main" xmlns="">
       <p:transition spd="slow" advClick="0">
         <p:blinds dir="vert"/>
       </p:transition>
@@ -21462,7 +22225,7 @@
         <p:blinds dir="vert"/>
       </p:transition>
     </mc:Choice>
-    <mc:Fallback xmlns="" xmlns:p15="http://schemas.microsoft.com/office/powerpoint/2012/main">
+    <mc:Fallback xmlns:p15="http://schemas.microsoft.com/office/powerpoint/2012/main" xmlns="">
       <p:transition spd="slow" advClick="0">
         <p:blinds dir="vert"/>
       </p:transition>
@@ -22686,7 +23449,7 @@
         <p:blinds dir="vert"/>
       </p:transition>
     </mc:Choice>
-    <mc:Fallback xmlns="" xmlns:p15="http://schemas.microsoft.com/office/powerpoint/2012/main">
+    <mc:Fallback xmlns:p15="http://schemas.microsoft.com/office/powerpoint/2012/main" xmlns="">
       <p:transition spd="slow" advClick="0">
         <p:blinds dir="vert"/>
       </p:transition>
@@ -23438,7 +24201,7 @@
         <p:blinds dir="vert"/>
       </p:transition>
     </mc:Choice>
-    <mc:Fallback xmlns:p15="http://schemas.microsoft.com/office/powerpoint/2012/main" xmlns="">
+    <mc:Fallback xmlns="" xmlns:p15="http://schemas.microsoft.com/office/powerpoint/2012/main">
       <p:transition spd="slow" advClick="0">
         <p:blinds dir="vert"/>
       </p:transition>

--- a/slides/06-Java面向对象编程-类的特性.pptx
+++ b/slides/06-Java面向对象编程-类的特性.pptx
@@ -512,10 +512,25 @@
   <pc:docChgLst>
     <pc:chgData name="pdcxs" userId="f53f700a-6709-4045-8975-3edaa594be1c" providerId="ADAL" clId="{69772F59-9B9B-47A9-8585-F757E0ADBE2D}"/>
     <pc:docChg chg="undo custSel addSld modSld">
-      <pc:chgData name="pdcxs" userId="f53f700a-6709-4045-8975-3edaa594be1c" providerId="ADAL" clId="{69772F59-9B9B-47A9-8585-F757E0ADBE2D}" dt="2024-03-13T07:05:14.337" v="452" actId="20577"/>
+      <pc:chgData name="pdcxs" userId="f53f700a-6709-4045-8975-3edaa594be1c" providerId="ADAL" clId="{69772F59-9B9B-47A9-8585-F757E0ADBE2D}" dt="2024-03-13T09:19:21.966" v="455" actId="20577"/>
       <pc:docMkLst>
         <pc:docMk/>
       </pc:docMkLst>
+      <pc:sldChg chg="modSp mod">
+        <pc:chgData name="pdcxs" userId="f53f700a-6709-4045-8975-3edaa594be1c" providerId="ADAL" clId="{69772F59-9B9B-47A9-8585-F757E0ADBE2D}" dt="2024-03-13T09:19:21.966" v="455" actId="20577"/>
+        <pc:sldMkLst>
+          <pc:docMk/>
+          <pc:sldMk cId="2551258592" sldId="374"/>
+        </pc:sldMkLst>
+        <pc:spChg chg="mod">
+          <ac:chgData name="pdcxs" userId="f53f700a-6709-4045-8975-3edaa594be1c" providerId="ADAL" clId="{69772F59-9B9B-47A9-8585-F757E0ADBE2D}" dt="2024-03-13T09:19:21.966" v="455" actId="20577"/>
+          <ac:spMkLst>
+            <pc:docMk/>
+            <pc:sldMk cId="2551258592" sldId="374"/>
+            <ac:spMk id="23" creationId="{01DE3B81-75FA-4A84-99E0-5317D8B30326}"/>
+          </ac:spMkLst>
+        </pc:spChg>
+      </pc:sldChg>
       <pc:sldChg chg="modSp add mod">
         <pc:chgData name="pdcxs" userId="f53f700a-6709-4045-8975-3edaa594be1c" providerId="ADAL" clId="{69772F59-9B9B-47A9-8585-F757E0ADBE2D}" dt="2024-03-13T07:05:14.337" v="452" actId="20577"/>
         <pc:sldMkLst>
@@ -4542,7 +4557,7 @@
         <p:random/>
       </p:transition>
     </mc:Choice>
-    <mc:Fallback xmlns:p15="http://schemas.microsoft.com/office/powerpoint/2012/main" xmlns="">
+    <mc:Fallback xmlns="" xmlns:p15="http://schemas.microsoft.com/office/powerpoint/2012/main">
       <p:transition spd="slow" advClick="0">
         <p:random/>
       </p:transition>
@@ -7580,7 +7595,7 @@
         <p:blinds dir="vert"/>
       </p:transition>
     </mc:Choice>
-    <mc:Fallback xmlns:p15="http://schemas.microsoft.com/office/powerpoint/2012/main" xmlns="">
+    <mc:Fallback xmlns="" xmlns:p15="http://schemas.microsoft.com/office/powerpoint/2012/main">
       <p:transition spd="slow" advClick="0">
         <p:blinds dir="vert"/>
       </p:transition>
@@ -8804,8 +8819,19 @@
                 <a:latin typeface="微软雅黑" panose="020B0503020204020204" pitchFamily="34" charset="-122"/>
                 <a:ea typeface="微软雅黑" panose="020B0503020204020204" pitchFamily="34" charset="-122"/>
               </a:rPr>
-              <a:t>/StatcExample.java</a:t>
-            </a:r>
+              <a:t>/</a:t>
+            </a:r>
+            <a:r>
+              <a:rPr lang="en-US" altLang="zh-CN" sz="2800" dirty="0" err="1">
+                <a:latin typeface="微软雅黑" panose="020B0503020204020204" pitchFamily="34" charset="-122"/>
+                <a:ea typeface="微软雅黑" panose="020B0503020204020204" pitchFamily="34" charset="-122"/>
+              </a:rPr>
+              <a:t>StaticExample</a:t>
+            </a:r>
+            <a:endParaRPr lang="en-US" altLang="zh-CN" sz="2800" dirty="0">
+              <a:latin typeface="微软雅黑" panose="020B0503020204020204" pitchFamily="34" charset="-122"/>
+              <a:ea typeface="微软雅黑" panose="020B0503020204020204" pitchFamily="34" charset="-122"/>
+            </a:endParaRPr>
           </a:p>
         </p:txBody>
       </p:sp>
@@ -16889,7 +16915,7 @@
         <p14:prism/>
       </p:transition>
     </mc:Choice>
-    <mc:Fallback xmlns:p15="http://schemas.microsoft.com/office/powerpoint/2012/main" xmlns="">
+    <mc:Fallback xmlns="" xmlns:p15="http://schemas.microsoft.com/office/powerpoint/2012/main">
       <p:transition spd="slow" advClick="0">
         <p:fade/>
       </p:transition>
@@ -19205,7 +19231,7 @@
     <mc:Choice Requires="p14">
       <p:transition spd="slow" p14:dur="2000" advClick="0"/>
     </mc:Choice>
-    <mc:Fallback xmlns:p15="http://schemas.microsoft.com/office/powerpoint/2012/main" xmlns="">
+    <mc:Fallback xmlns="" xmlns:p15="http://schemas.microsoft.com/office/powerpoint/2012/main">
       <p:transition spd="slow" advClick="0"/>
     </mc:Fallback>
   </mc:AlternateContent>
@@ -21663,7 +21689,7 @@
         <p:blinds dir="vert"/>
       </p:transition>
     </mc:Choice>
-    <mc:Fallback xmlns:p15="http://schemas.microsoft.com/office/powerpoint/2012/main" xmlns="">
+    <mc:Fallback xmlns="" xmlns:p15="http://schemas.microsoft.com/office/powerpoint/2012/main">
       <p:transition spd="slow" advClick="0">
         <p:blinds dir="vert"/>
       </p:transition>
@@ -22225,7 +22251,7 @@
         <p:blinds dir="vert"/>
       </p:transition>
     </mc:Choice>
-    <mc:Fallback xmlns:p15="http://schemas.microsoft.com/office/powerpoint/2012/main" xmlns="">
+    <mc:Fallback xmlns="" xmlns:p15="http://schemas.microsoft.com/office/powerpoint/2012/main">
       <p:transition spd="slow" advClick="0">
         <p:blinds dir="vert"/>
       </p:transition>
@@ -23449,7 +23475,7 @@
         <p:blinds dir="vert"/>
       </p:transition>
     </mc:Choice>
-    <mc:Fallback xmlns:p15="http://schemas.microsoft.com/office/powerpoint/2012/main" xmlns="">
+    <mc:Fallback xmlns="" xmlns:p15="http://schemas.microsoft.com/office/powerpoint/2012/main">
       <p:transition spd="slow" advClick="0">
         <p:blinds dir="vert"/>
       </p:transition>
@@ -24201,7 +24227,7 @@
         <p:blinds dir="vert"/>
       </p:transition>
     </mc:Choice>
-    <mc:Fallback xmlns="" xmlns:p15="http://schemas.microsoft.com/office/powerpoint/2012/main">
+    <mc:Fallback xmlns:p15="http://schemas.microsoft.com/office/powerpoint/2012/main" xmlns="">
       <p:transition spd="slow" advClick="0">
         <p:blinds dir="vert"/>
       </p:transition>

--- a/slides/06-Java面向对象编程-类的特性.pptx
+++ b/slides/06-Java面向对象编程-类的特性.pptx
@@ -196,17 +196,32 @@
 </p:cmAuthorLst>
 </file>
 
-<file path=ppt/revisionInfo.xml><?xml version="1.0" encoding="utf-8"?>
-<p1510:revInfo xmlns:a="http://schemas.openxmlformats.org/drawingml/2006/main" xmlns:r="http://schemas.openxmlformats.org/officeDocument/2006/relationships" xmlns:p1510="http://schemas.microsoft.com/office/powerpoint/2015/10/main">
-  <p1510:revLst>
-    <p1510:client id="{69772F59-9B9B-47A9-8585-F757E0ADBE2D}" v="2" dt="2024-03-13T07:02:06.841"/>
-    <p1510:client id="{ED1D3F12-90EF-4D8D-802D-D6A72C8B04DD}" v="1" dt="2024-03-13T02:08:16.511"/>
-  </p1510:revLst>
-</p1510:revInfo>
-</file>
-
 <file path=ppt/changesInfos/changesInfo1.xml><?xml version="1.0" encoding="utf-8"?>
 <pc:chgInfo xmlns:a="http://schemas.openxmlformats.org/drawingml/2006/main" xmlns:r="http://schemas.openxmlformats.org/officeDocument/2006/relationships" xmlns:ac="http://schemas.microsoft.com/office/drawing/2013/main/command" xmlns:pc="http://schemas.microsoft.com/office/powerpoint/2013/main/command">
+  <pc:docChgLst>
+    <pc:chgData name="pdcxs" userId="f53f700a-6709-4045-8975-3edaa594be1c" providerId="ADAL" clId="{8F3B46AA-FE33-4865-8EBB-B4EB2A5B75E4}"/>
+    <pc:docChg chg="modSld">
+      <pc:chgData name="pdcxs" userId="f53f700a-6709-4045-8975-3edaa594be1c" providerId="ADAL" clId="{8F3B46AA-FE33-4865-8EBB-B4EB2A5B75E4}" dt="2025-04-14T12:13:11.301" v="0"/>
+      <pc:docMkLst>
+        <pc:docMk/>
+      </pc:docMkLst>
+      <pc:sldChg chg="modSp mod">
+        <pc:chgData name="pdcxs" userId="f53f700a-6709-4045-8975-3edaa594be1c" providerId="ADAL" clId="{8F3B46AA-FE33-4865-8EBB-B4EB2A5B75E4}" dt="2025-04-14T12:13:11.301" v="0"/>
+        <pc:sldMkLst>
+          <pc:docMk/>
+          <pc:sldMk cId="3280035750" sldId="386"/>
+        </pc:sldMkLst>
+        <pc:spChg chg="mod">
+          <ac:chgData name="pdcxs" userId="f53f700a-6709-4045-8975-3edaa594be1c" providerId="ADAL" clId="{8F3B46AA-FE33-4865-8EBB-B4EB2A5B75E4}" dt="2025-04-14T12:13:11.301" v="0"/>
+          <ac:spMkLst>
+            <pc:docMk/>
+            <pc:sldMk cId="3280035750" sldId="386"/>
+            <ac:spMk id="21" creationId="{00000000-0000-0000-0000-000000000000}"/>
+          </ac:spMkLst>
+        </pc:spChg>
+      </pc:sldChg>
+    </pc:docChg>
+  </pc:docChgLst>
   <pc:docChgLst>
     <pc:chgData name="pdcxs" userId="f53f700a-6709-4045-8975-3edaa594be1c" providerId="ADAL" clId="{ED1D3F12-90EF-4D8D-802D-D6A72C8B04DD}"/>
     <pc:docChg chg="undo redo custSel modSld">
@@ -220,14 +235,6 @@
           <pc:docMk/>
           <pc:sldMk cId="2261521505" sldId="316"/>
         </pc:sldMkLst>
-        <pc:spChg chg="mod">
-          <ac:chgData name="pdcxs" userId="f53f700a-6709-4045-8975-3edaa594be1c" providerId="ADAL" clId="{ED1D3F12-90EF-4D8D-802D-D6A72C8B04DD}" dt="2024-03-13T02:19:43.197" v="90" actId="20577"/>
-          <ac:spMkLst>
-            <pc:docMk/>
-            <pc:sldMk cId="2261521505" sldId="316"/>
-            <ac:spMk id="13" creationId="{B0B36704-58D4-41B6-8819-F125062E0255}"/>
-          </ac:spMkLst>
-        </pc:spChg>
       </pc:sldChg>
       <pc:sldChg chg="modSp mod">
         <pc:chgData name="pdcxs" userId="f53f700a-6709-4045-8975-3edaa594be1c" providerId="ADAL" clId="{ED1D3F12-90EF-4D8D-802D-D6A72C8B04DD}" dt="2024-03-13T02:13:07.805" v="62" actId="20577"/>
@@ -235,22 +242,6 @@
           <pc:docMk/>
           <pc:sldMk cId="29773007" sldId="343"/>
         </pc:sldMkLst>
-        <pc:spChg chg="mod">
-          <ac:chgData name="pdcxs" userId="f53f700a-6709-4045-8975-3edaa594be1c" providerId="ADAL" clId="{ED1D3F12-90EF-4D8D-802D-D6A72C8B04DD}" dt="2024-03-13T02:08:39.565" v="24" actId="20577"/>
-          <ac:spMkLst>
-            <pc:docMk/>
-            <pc:sldMk cId="29773007" sldId="343"/>
-            <ac:spMk id="3" creationId="{5EE3DD21-892F-4F01-8B2B-3752BA577AEB}"/>
-          </ac:spMkLst>
-        </pc:spChg>
-        <pc:spChg chg="mod">
-          <ac:chgData name="pdcxs" userId="f53f700a-6709-4045-8975-3edaa594be1c" providerId="ADAL" clId="{ED1D3F12-90EF-4D8D-802D-D6A72C8B04DD}" dt="2024-03-13T02:13:07.805" v="62" actId="20577"/>
-          <ac:spMkLst>
-            <pc:docMk/>
-            <pc:sldMk cId="29773007" sldId="343"/>
-            <ac:spMk id="4" creationId="{52266AB2-46B6-428A-9C63-A837B29E6735}"/>
-          </ac:spMkLst>
-        </pc:spChg>
       </pc:sldChg>
       <pc:sldChg chg="delSp modSp mod">
         <pc:chgData name="pdcxs" userId="f53f700a-6709-4045-8975-3edaa594be1c" providerId="ADAL" clId="{ED1D3F12-90EF-4D8D-802D-D6A72C8B04DD}" dt="2024-03-13T02:44:39.786" v="231" actId="20577"/>
@@ -258,70 +249,6 @@
           <pc:docMk/>
           <pc:sldMk cId="507963895" sldId="373"/>
         </pc:sldMkLst>
-        <pc:spChg chg="del">
-          <ac:chgData name="pdcxs" userId="f53f700a-6709-4045-8975-3edaa594be1c" providerId="ADAL" clId="{ED1D3F12-90EF-4D8D-802D-D6A72C8B04DD}" dt="2024-03-13T02:44:17.548" v="185" actId="478"/>
-          <ac:spMkLst>
-            <pc:docMk/>
-            <pc:sldMk cId="507963895" sldId="373"/>
-            <ac:spMk id="13" creationId="{63B06AD4-907E-4BB7-9EFA-0CAC9A805552}"/>
-          </ac:spMkLst>
-        </pc:spChg>
-        <pc:spChg chg="del">
-          <ac:chgData name="pdcxs" userId="f53f700a-6709-4045-8975-3edaa594be1c" providerId="ADAL" clId="{ED1D3F12-90EF-4D8D-802D-D6A72C8B04DD}" dt="2024-03-13T02:44:18.876" v="186" actId="478"/>
-          <ac:spMkLst>
-            <pc:docMk/>
-            <pc:sldMk cId="507963895" sldId="373"/>
-            <ac:spMk id="15" creationId="{3B2456B7-3EEE-44FD-93D0-33B8BEFACFDD}"/>
-          </ac:spMkLst>
-        </pc:spChg>
-        <pc:spChg chg="del">
-          <ac:chgData name="pdcxs" userId="f53f700a-6709-4045-8975-3edaa594be1c" providerId="ADAL" clId="{ED1D3F12-90EF-4D8D-802D-D6A72C8B04DD}" dt="2024-03-13T02:44:21.143" v="188" actId="478"/>
-          <ac:spMkLst>
-            <pc:docMk/>
-            <pc:sldMk cId="507963895" sldId="373"/>
-            <ac:spMk id="16" creationId="{267B9E90-3C5B-4832-ABC2-F3D546AE5020}"/>
-          </ac:spMkLst>
-        </pc:spChg>
-        <pc:spChg chg="mod">
-          <ac:chgData name="pdcxs" userId="f53f700a-6709-4045-8975-3edaa594be1c" providerId="ADAL" clId="{ED1D3F12-90EF-4D8D-802D-D6A72C8B04DD}" dt="2024-03-13T02:44:39.786" v="231" actId="20577"/>
-          <ac:spMkLst>
-            <pc:docMk/>
-            <pc:sldMk cId="507963895" sldId="373"/>
-            <ac:spMk id="18" creationId="{B11E9F99-7828-4088-8F70-B8C0BEAAB38D}"/>
-          </ac:spMkLst>
-        </pc:spChg>
-        <pc:spChg chg="mod">
-          <ac:chgData name="pdcxs" userId="f53f700a-6709-4045-8975-3edaa594be1c" providerId="ADAL" clId="{ED1D3F12-90EF-4D8D-802D-D6A72C8B04DD}" dt="2024-03-13T02:44:14.866" v="184" actId="20577"/>
-          <ac:spMkLst>
-            <pc:docMk/>
-            <pc:sldMk cId="507963895" sldId="373"/>
-            <ac:spMk id="19" creationId="{88E5D127-C2C7-4752-9EFA-368335A279F1}"/>
-          </ac:spMkLst>
-        </pc:spChg>
-        <pc:spChg chg="del">
-          <ac:chgData name="pdcxs" userId="f53f700a-6709-4045-8975-3edaa594be1c" providerId="ADAL" clId="{ED1D3F12-90EF-4D8D-802D-D6A72C8B04DD}" dt="2024-03-13T02:44:20.280" v="187" actId="478"/>
-          <ac:spMkLst>
-            <pc:docMk/>
-            <pc:sldMk cId="507963895" sldId="373"/>
-            <ac:spMk id="20" creationId="{04FD2162-65C9-43AF-B0D3-C88C364F7F78}"/>
-          </ac:spMkLst>
-        </pc:spChg>
-        <pc:spChg chg="del">
-          <ac:chgData name="pdcxs" userId="f53f700a-6709-4045-8975-3edaa594be1c" providerId="ADAL" clId="{ED1D3F12-90EF-4D8D-802D-D6A72C8B04DD}" dt="2024-03-13T02:44:22.590" v="190" actId="478"/>
-          <ac:spMkLst>
-            <pc:docMk/>
-            <pc:sldMk cId="507963895" sldId="373"/>
-            <ac:spMk id="21" creationId="{ECE66EDE-0919-4C47-80CA-51E27ACE6BDE}"/>
-          </ac:spMkLst>
-        </pc:spChg>
-        <pc:spChg chg="del">
-          <ac:chgData name="pdcxs" userId="f53f700a-6709-4045-8975-3edaa594be1c" providerId="ADAL" clId="{ED1D3F12-90EF-4D8D-802D-D6A72C8B04DD}" dt="2024-03-13T02:44:21.899" v="189" actId="478"/>
-          <ac:spMkLst>
-            <pc:docMk/>
-            <pc:sldMk cId="507963895" sldId="373"/>
-            <ac:spMk id="22" creationId="{737B3CE3-AD29-4B70-882A-F07DFD296C63}"/>
-          </ac:spMkLst>
-        </pc:spChg>
       </pc:sldChg>
       <pc:sldChg chg="modSp mod">
         <pc:chgData name="pdcxs" userId="f53f700a-6709-4045-8975-3edaa594be1c" providerId="ADAL" clId="{ED1D3F12-90EF-4D8D-802D-D6A72C8B04DD}" dt="2024-03-13T03:54:54.644" v="299" actId="20577"/>
@@ -329,22 +256,6 @@
           <pc:docMk/>
           <pc:sldMk cId="2551258592" sldId="374"/>
         </pc:sldMkLst>
-        <pc:spChg chg="mod">
-          <ac:chgData name="pdcxs" userId="f53f700a-6709-4045-8975-3edaa594be1c" providerId="ADAL" clId="{ED1D3F12-90EF-4D8D-802D-D6A72C8B04DD}" dt="2024-03-13T03:54:44.167" v="273" actId="20577"/>
-          <ac:spMkLst>
-            <pc:docMk/>
-            <pc:sldMk cId="2551258592" sldId="374"/>
-            <ac:spMk id="23" creationId="{01DE3B81-75FA-4A84-99E0-5317D8B30326}"/>
-          </ac:spMkLst>
-        </pc:spChg>
-        <pc:spChg chg="mod">
-          <ac:chgData name="pdcxs" userId="f53f700a-6709-4045-8975-3edaa594be1c" providerId="ADAL" clId="{ED1D3F12-90EF-4D8D-802D-D6A72C8B04DD}" dt="2024-03-13T03:54:54.644" v="299" actId="20577"/>
-          <ac:spMkLst>
-            <pc:docMk/>
-            <pc:sldMk cId="2551258592" sldId="374"/>
-            <ac:spMk id="25" creationId="{A53E3390-7B39-4FB8-8F80-713394F4B229}"/>
-          </ac:spMkLst>
-        </pc:spChg>
       </pc:sldChg>
       <pc:sldChg chg="modSp mod">
         <pc:chgData name="pdcxs" userId="f53f700a-6709-4045-8975-3edaa594be1c" providerId="ADAL" clId="{ED1D3F12-90EF-4D8D-802D-D6A72C8B04DD}" dt="2024-03-13T04:03:46.815" v="380" actId="20577"/>
@@ -352,22 +263,6 @@
           <pc:docMk/>
           <pc:sldMk cId="3418604404" sldId="378"/>
         </pc:sldMkLst>
-        <pc:spChg chg="mod">
-          <ac:chgData name="pdcxs" userId="f53f700a-6709-4045-8975-3edaa594be1c" providerId="ADAL" clId="{ED1D3F12-90EF-4D8D-802D-D6A72C8B04DD}" dt="2024-03-13T03:58:15.869" v="343" actId="20577"/>
-          <ac:spMkLst>
-            <pc:docMk/>
-            <pc:sldMk cId="3418604404" sldId="378"/>
-            <ac:spMk id="13" creationId="{8340565C-2EA2-4D76-8960-C6D922232A06}"/>
-          </ac:spMkLst>
-        </pc:spChg>
-        <pc:spChg chg="mod">
-          <ac:chgData name="pdcxs" userId="f53f700a-6709-4045-8975-3edaa594be1c" providerId="ADAL" clId="{ED1D3F12-90EF-4D8D-802D-D6A72C8B04DD}" dt="2024-03-13T04:03:46.815" v="380" actId="20577"/>
-          <ac:spMkLst>
-            <pc:docMk/>
-            <pc:sldMk cId="3418604404" sldId="378"/>
-            <ac:spMk id="16" creationId="{3984EC9E-1AF3-431D-8595-54378F76DA02}"/>
-          </ac:spMkLst>
-        </pc:spChg>
       </pc:sldChg>
       <pc:sldChg chg="modSp mod">
         <pc:chgData name="pdcxs" userId="f53f700a-6709-4045-8975-3edaa594be1c" providerId="ADAL" clId="{ED1D3F12-90EF-4D8D-802D-D6A72C8B04DD}" dt="2024-03-13T04:04:20.327" v="434" actId="20577"/>
@@ -375,14 +270,6 @@
           <pc:docMk/>
           <pc:sldMk cId="3956571042" sldId="379"/>
         </pc:sldMkLst>
-        <pc:spChg chg="mod">
-          <ac:chgData name="pdcxs" userId="f53f700a-6709-4045-8975-3edaa594be1c" providerId="ADAL" clId="{ED1D3F12-90EF-4D8D-802D-D6A72C8B04DD}" dt="2024-03-13T04:04:20.327" v="434" actId="20577"/>
-          <ac:spMkLst>
-            <pc:docMk/>
-            <pc:sldMk cId="3956571042" sldId="379"/>
-            <ac:spMk id="19" creationId="{84DD5E84-5A06-4C24-8DA1-328A08550551}"/>
-          </ac:spMkLst>
-        </pc:spChg>
       </pc:sldChg>
       <pc:sldChg chg="modSp mod">
         <pc:chgData name="pdcxs" userId="f53f700a-6709-4045-8975-3edaa594be1c" providerId="ADAL" clId="{ED1D3F12-90EF-4D8D-802D-D6A72C8B04DD}" dt="2024-03-13T04:07:28.660" v="544" actId="20577"/>
@@ -390,22 +277,6 @@
           <pc:docMk/>
           <pc:sldMk cId="677964370" sldId="380"/>
         </pc:sldMkLst>
-        <pc:spChg chg="mod">
-          <ac:chgData name="pdcxs" userId="f53f700a-6709-4045-8975-3edaa594be1c" providerId="ADAL" clId="{ED1D3F12-90EF-4D8D-802D-D6A72C8B04DD}" dt="2024-03-13T04:07:28.660" v="544" actId="20577"/>
-          <ac:spMkLst>
-            <pc:docMk/>
-            <pc:sldMk cId="677964370" sldId="380"/>
-            <ac:spMk id="13" creationId="{F28673D1-EC74-4FFE-825E-9FF34F726D7B}"/>
-          </ac:spMkLst>
-        </pc:spChg>
-        <pc:spChg chg="mod">
-          <ac:chgData name="pdcxs" userId="f53f700a-6709-4045-8975-3edaa594be1c" providerId="ADAL" clId="{ED1D3F12-90EF-4D8D-802D-D6A72C8B04DD}" dt="2024-03-13T04:06:55.030" v="443" actId="20577"/>
-          <ac:spMkLst>
-            <pc:docMk/>
-            <pc:sldMk cId="677964370" sldId="380"/>
-            <ac:spMk id="15" creationId="{1C1039DA-089E-4AF7-9BF1-EDC215355C4C}"/>
-          </ac:spMkLst>
-        </pc:spChg>
       </pc:sldChg>
       <pc:sldChg chg="delSp mod">
         <pc:chgData name="pdcxs" userId="f53f700a-6709-4045-8975-3edaa594be1c" providerId="ADAL" clId="{ED1D3F12-90EF-4D8D-802D-D6A72C8B04DD}" dt="2024-03-13T04:09:33.206" v="546" actId="478"/>
@@ -413,22 +284,6 @@
           <pc:docMk/>
           <pc:sldMk cId="2311737945" sldId="381"/>
         </pc:sldMkLst>
-        <pc:spChg chg="del">
-          <ac:chgData name="pdcxs" userId="f53f700a-6709-4045-8975-3edaa594be1c" providerId="ADAL" clId="{ED1D3F12-90EF-4D8D-802D-D6A72C8B04DD}" dt="2024-03-13T04:09:33.206" v="546" actId="478"/>
-          <ac:spMkLst>
-            <pc:docMk/>
-            <pc:sldMk cId="2311737945" sldId="381"/>
-            <ac:spMk id="13" creationId="{F28673D1-EC74-4FFE-825E-9FF34F726D7B}"/>
-          </ac:spMkLst>
-        </pc:spChg>
-        <pc:spChg chg="del">
-          <ac:chgData name="pdcxs" userId="f53f700a-6709-4045-8975-3edaa594be1c" providerId="ADAL" clId="{ED1D3F12-90EF-4D8D-802D-D6A72C8B04DD}" dt="2024-03-13T04:09:31.952" v="545" actId="478"/>
-          <ac:spMkLst>
-            <pc:docMk/>
-            <pc:sldMk cId="2311737945" sldId="381"/>
-            <ac:spMk id="15" creationId="{1C1039DA-089E-4AF7-9BF1-EDC215355C4C}"/>
-          </ac:spMkLst>
-        </pc:spChg>
       </pc:sldChg>
       <pc:sldChg chg="modSp mod">
         <pc:chgData name="pdcxs" userId="f53f700a-6709-4045-8975-3edaa594be1c" providerId="ADAL" clId="{ED1D3F12-90EF-4D8D-802D-D6A72C8B04DD}" dt="2024-03-13T04:10:00.823" v="580" actId="20577"/>
@@ -436,14 +291,6 @@
           <pc:docMk/>
           <pc:sldMk cId="2862164260" sldId="382"/>
         </pc:sldMkLst>
-        <pc:spChg chg="mod">
-          <ac:chgData name="pdcxs" userId="f53f700a-6709-4045-8975-3edaa594be1c" providerId="ADAL" clId="{ED1D3F12-90EF-4D8D-802D-D6A72C8B04DD}" dt="2024-03-13T04:10:00.823" v="580" actId="20577"/>
-          <ac:spMkLst>
-            <pc:docMk/>
-            <pc:sldMk cId="2862164260" sldId="382"/>
-            <ac:spMk id="13" creationId="{F28673D1-EC74-4FFE-825E-9FF34F726D7B}"/>
-          </ac:spMkLst>
-        </pc:spChg>
       </pc:sldChg>
       <pc:sldChg chg="modSp mod">
         <pc:chgData name="pdcxs" userId="f53f700a-6709-4045-8975-3edaa594be1c" providerId="ADAL" clId="{ED1D3F12-90EF-4D8D-802D-D6A72C8B04DD}" dt="2024-03-13T04:23:22.717" v="645" actId="20577"/>
@@ -451,14 +298,6 @@
           <pc:docMk/>
           <pc:sldMk cId="3830594909" sldId="384"/>
         </pc:sldMkLst>
-        <pc:spChg chg="mod">
-          <ac:chgData name="pdcxs" userId="f53f700a-6709-4045-8975-3edaa594be1c" providerId="ADAL" clId="{ED1D3F12-90EF-4D8D-802D-D6A72C8B04DD}" dt="2024-03-13T04:23:22.717" v="645" actId="20577"/>
-          <ac:spMkLst>
-            <pc:docMk/>
-            <pc:sldMk cId="3830594909" sldId="384"/>
-            <ac:spMk id="13" creationId="{A6904906-0C36-46D0-B32A-0E402DEC9A6A}"/>
-          </ac:spMkLst>
-        </pc:spChg>
       </pc:sldChg>
     </pc:docChg>
   </pc:docChgLst>
@@ -475,14 +314,6 @@
           <pc:docMk/>
           <pc:sldMk cId="753176371" sldId="306"/>
         </pc:sldMkLst>
-        <pc:spChg chg="mod">
-          <ac:chgData name="pdcxs" userId="f53f700a-6709-4045-8975-3edaa594be1c" providerId="ADAL" clId="{194A3276-7153-4638-9462-69CD3127B1AD}" dt="2023-03-09T01:54:42.793" v="6" actId="20577"/>
-          <ac:spMkLst>
-            <pc:docMk/>
-            <pc:sldMk cId="753176371" sldId="306"/>
-            <ac:spMk id="19" creationId="{00000000-0000-0000-0000-000000000000}"/>
-          </ac:spMkLst>
-        </pc:spChg>
       </pc:sldChg>
     </pc:docChg>
   </pc:docChgLst>
@@ -522,14 +353,6 @@
           <pc:docMk/>
           <pc:sldMk cId="2551258592" sldId="374"/>
         </pc:sldMkLst>
-        <pc:spChg chg="mod">
-          <ac:chgData name="pdcxs" userId="f53f700a-6709-4045-8975-3edaa594be1c" providerId="ADAL" clId="{69772F59-9B9B-47A9-8585-F757E0ADBE2D}" dt="2024-03-13T09:19:21.966" v="455" actId="20577"/>
-          <ac:spMkLst>
-            <pc:docMk/>
-            <pc:sldMk cId="2551258592" sldId="374"/>
-            <ac:spMk id="23" creationId="{01DE3B81-75FA-4A84-99E0-5317D8B30326}"/>
-          </ac:spMkLst>
-        </pc:spChg>
       </pc:sldChg>
       <pc:sldChg chg="modSp add mod">
         <pc:chgData name="pdcxs" userId="f53f700a-6709-4045-8975-3edaa594be1c" providerId="ADAL" clId="{69772F59-9B9B-47A9-8585-F757E0ADBE2D}" dt="2024-03-13T07:05:14.337" v="452" actId="20577"/>
@@ -537,22 +360,6 @@
           <pc:docMk/>
           <pc:sldMk cId="1851716824" sldId="387"/>
         </pc:sldMkLst>
-        <pc:spChg chg="mod">
-          <ac:chgData name="pdcxs" userId="f53f700a-6709-4045-8975-3edaa594be1c" providerId="ADAL" clId="{69772F59-9B9B-47A9-8585-F757E0ADBE2D}" dt="2024-03-13T06:58:20.266" v="13" actId="20577"/>
-          <ac:spMkLst>
-            <pc:docMk/>
-            <pc:sldMk cId="1851716824" sldId="387"/>
-            <ac:spMk id="12" creationId="{D526FFB2-B134-B45A-4462-7F2BB60530C3}"/>
-          </ac:spMkLst>
-        </pc:spChg>
-        <pc:spChg chg="mod">
-          <ac:chgData name="pdcxs" userId="f53f700a-6709-4045-8975-3edaa594be1c" providerId="ADAL" clId="{69772F59-9B9B-47A9-8585-F757E0ADBE2D}" dt="2024-03-13T07:05:14.337" v="452" actId="20577"/>
-          <ac:spMkLst>
-            <pc:docMk/>
-            <pc:sldMk cId="1851716824" sldId="387"/>
-            <ac:spMk id="15" creationId="{A024B663-17A3-0CD8-089F-007F33CBCDF8}"/>
-          </ac:spMkLst>
-        </pc:spChg>
       </pc:sldChg>
     </pc:docChg>
   </pc:docChgLst>
@@ -682,7 +489,7 @@
               <a:pPr>
                 <a:defRPr/>
               </a:pPr>
-              <a:t>2024/3/13</a:t>
+              <a:t>2025/4/14</a:t>
             </a:fld>
             <a:endParaRPr lang="zh-CN" altLang="en-US"/>
           </a:p>
@@ -3302,7 +3109,7 @@
               <a:pPr>
                 <a:defRPr/>
               </a:pPr>
-              <a:t>2024/3/13</a:t>
+              <a:t>2025/4/14</a:t>
             </a:fld>
             <a:endParaRPr lang="zh-CN" altLang="en-US"/>
           </a:p>
@@ -3643,7 +3450,7 @@
               <a:pPr>
                 <a:defRPr/>
               </a:pPr>
-              <a:t>2024/3/13</a:t>
+              <a:t>2025/4/14</a:t>
             </a:fld>
             <a:endParaRPr lang="zh-CN" altLang="en-US"/>
           </a:p>
@@ -3906,7 +3713,7 @@
               <a:pPr>
                 <a:defRPr/>
               </a:pPr>
-              <a:t>2024/3/13</a:t>
+              <a:t>2025/4/14</a:t>
             </a:fld>
             <a:endParaRPr lang="zh-CN" altLang="en-US"/>
           </a:p>
@@ -4169,7 +3976,7 @@
               <a:pPr>
                 <a:defRPr/>
               </a:pPr>
-              <a:t>2024/3/13</a:t>
+              <a:t>2025/4/14</a:t>
             </a:fld>
             <a:endParaRPr lang="zh-CN" altLang="en-US"/>
           </a:p>
@@ -4477,7 +4284,7 @@
           <a:p>
             <a:fld id="{727B9DD9-119C-4B8D-B3AB-3CFC6AE69930}" type="datetimeFigureOut">
               <a:rPr lang="zh-CN" altLang="en-US" smtClean="0"/>
-              <a:t>2024/3/13</a:t>
+              <a:t>2025/4/14</a:t>
             </a:fld>
             <a:endParaRPr lang="zh-CN" altLang="en-US"/>
           </a:p>
@@ -4557,7 +4364,7 @@
         <p:random/>
       </p:transition>
     </mc:Choice>
-    <mc:Fallback xmlns="" xmlns:p15="http://schemas.microsoft.com/office/powerpoint/2012/main">
+    <mc:Fallback xmlns:p15="http://schemas.microsoft.com/office/powerpoint/2012/main" xmlns="">
       <p:transition spd="slow" advClick="0">
         <p:random/>
       </p:transition>
@@ -5839,7 +5646,7 @@
               <a:pPr>
                 <a:defRPr/>
               </a:pPr>
-              <a:t>2024/3/13</a:t>
+              <a:t>2025/4/14</a:t>
             </a:fld>
             <a:endParaRPr lang="zh-CN" altLang="en-US"/>
           </a:p>
@@ -6357,7 +6164,7 @@
               <a:pPr>
                 <a:defRPr/>
               </a:pPr>
-              <a:t>2024/3/13</a:t>
+              <a:t>2025/4/14</a:t>
             </a:fld>
             <a:endParaRPr lang="zh-CN" altLang="en-US"/>
           </a:p>
@@ -6561,7 +6368,7 @@
               <a:pPr>
                 <a:defRPr/>
               </a:pPr>
-              <a:t>2024/3/13</a:t>
+              <a:t>2025/4/14</a:t>
             </a:fld>
             <a:endParaRPr lang="zh-CN" altLang="en-US"/>
           </a:p>
@@ -6735,7 +6542,7 @@
               <a:pPr>
                 <a:defRPr/>
               </a:pPr>
-              <a:t>2024/3/13</a:t>
+              <a:t>2025/4/14</a:t>
             </a:fld>
             <a:endParaRPr lang="zh-CN" altLang="en-US"/>
           </a:p>
@@ -7421,8 +7228,8 @@
         </p:nvSpPr>
         <p:spPr>
           <a:xfrm>
-            <a:off x="4307104" y="3583212"/>
-            <a:ext cx="3793288" cy="288512"/>
+            <a:off x="5312187" y="3583212"/>
+            <a:ext cx="1783122" cy="288512"/>
           </a:xfrm>
           <a:prstGeom prst="rect">
             <a:avLst/>
@@ -7447,7 +7254,7 @@
                 <a:latin typeface="微软雅黑" pitchFamily="34" charset="-122"/>
                 <a:ea typeface="微软雅黑" pitchFamily="34" charset="-122"/>
               </a:rPr>
-              <a:t>学院：计算机科学与技术学院（大数据学院）</a:t>
+              <a:t>学院：人工智能学院</a:t>
             </a:r>
             <a:endParaRPr lang="en-US" altLang="zh-CN" sz="1425" dirty="0">
               <a:solidFill>
@@ -7595,7 +7402,7 @@
         <p:blinds dir="vert"/>
       </p:transition>
     </mc:Choice>
-    <mc:Fallback xmlns="" xmlns:p15="http://schemas.microsoft.com/office/powerpoint/2012/main">
+    <mc:Fallback xmlns:p15="http://schemas.microsoft.com/office/powerpoint/2012/main" xmlns="">
       <p:transition spd="slow" advClick="0">
         <p:blinds dir="vert"/>
       </p:transition>
@@ -16915,7 +16722,7 @@
         <p14:prism/>
       </p:transition>
     </mc:Choice>
-    <mc:Fallback xmlns="" xmlns:p15="http://schemas.microsoft.com/office/powerpoint/2012/main">
+    <mc:Fallback xmlns:p15="http://schemas.microsoft.com/office/powerpoint/2012/main" xmlns="">
       <p:transition spd="slow" advClick="0">
         <p:fade/>
       </p:transition>
@@ -19231,7 +19038,7 @@
     <mc:Choice Requires="p14">
       <p:transition spd="slow" p14:dur="2000" advClick="0"/>
     </mc:Choice>
-    <mc:Fallback xmlns="" xmlns:p15="http://schemas.microsoft.com/office/powerpoint/2012/main">
+    <mc:Fallback xmlns:p15="http://schemas.microsoft.com/office/powerpoint/2012/main" xmlns="">
       <p:transition spd="slow" advClick="0"/>
     </mc:Fallback>
   </mc:AlternateContent>
@@ -21689,7 +21496,7 @@
         <p:blinds dir="vert"/>
       </p:transition>
     </mc:Choice>
-    <mc:Fallback xmlns="" xmlns:p15="http://schemas.microsoft.com/office/powerpoint/2012/main">
+    <mc:Fallback xmlns:p15="http://schemas.microsoft.com/office/powerpoint/2012/main" xmlns="">
       <p:transition spd="slow" advClick="0">
         <p:blinds dir="vert"/>
       </p:transition>
@@ -22251,7 +22058,7 @@
         <p:blinds dir="vert"/>
       </p:transition>
     </mc:Choice>
-    <mc:Fallback xmlns="" xmlns:p15="http://schemas.microsoft.com/office/powerpoint/2012/main">
+    <mc:Fallback xmlns:p15="http://schemas.microsoft.com/office/powerpoint/2012/main" xmlns="">
       <p:transition spd="slow" advClick="0">
         <p:blinds dir="vert"/>
       </p:transition>
@@ -23475,7 +23282,7 @@
         <p:blinds dir="vert"/>
       </p:transition>
     </mc:Choice>
-    <mc:Fallback xmlns="" xmlns:p15="http://schemas.microsoft.com/office/powerpoint/2012/main">
+    <mc:Fallback xmlns:p15="http://schemas.microsoft.com/office/powerpoint/2012/main" xmlns="">
       <p:transition spd="slow" advClick="0">
         <p:blinds dir="vert"/>
       </p:transition>
@@ -24227,7 +24034,7 @@
         <p:blinds dir="vert"/>
       </p:transition>
     </mc:Choice>
-    <mc:Fallback xmlns:p15="http://schemas.microsoft.com/office/powerpoint/2012/main" xmlns="">
+    <mc:Fallback xmlns="" xmlns:p15="http://schemas.microsoft.com/office/powerpoint/2012/main">
       <p:transition spd="slow" advClick="0">
         <p:blinds dir="vert"/>
       </p:transition>

--- a/slides/06-Java面向对象编程-类的特性.pptx
+++ b/slides/06-Java面向对象编程-类的特性.pptx
@@ -223,6 +223,45 @@
     </pc:docChg>
   </pc:docChgLst>
   <pc:docChgLst>
+    <pc:chgData name="pdcxs" userId="f53f700a-6709-4045-8975-3edaa594be1c" providerId="ADAL" clId="{194A3276-7153-4638-9462-69CD3127B1AD}"/>
+    <pc:docChg chg="modSld">
+      <pc:chgData name="pdcxs" userId="f53f700a-6709-4045-8975-3edaa594be1c" providerId="ADAL" clId="{194A3276-7153-4638-9462-69CD3127B1AD}" dt="2023-03-09T01:54:42.793" v="6" actId="20577"/>
+      <pc:docMkLst>
+        <pc:docMk/>
+      </pc:docMkLst>
+      <pc:sldChg chg="modSp mod">
+        <pc:chgData name="pdcxs" userId="f53f700a-6709-4045-8975-3edaa594be1c" providerId="ADAL" clId="{194A3276-7153-4638-9462-69CD3127B1AD}" dt="2023-03-09T01:54:42.793" v="6" actId="20577"/>
+        <pc:sldMkLst>
+          <pc:docMk/>
+          <pc:sldMk cId="753176371" sldId="306"/>
+        </pc:sldMkLst>
+      </pc:sldChg>
+    </pc:docChg>
+  </pc:docChgLst>
+  <pc:docChgLst>
+    <pc:chgData name="pdcxs" userId="f53f700a-6709-4045-8975-3edaa594be1c" providerId="ADAL" clId="{69772F59-9B9B-47A9-8585-F757E0ADBE2D}"/>
+    <pc:docChg chg="undo custSel addSld modSld">
+      <pc:chgData name="pdcxs" userId="f53f700a-6709-4045-8975-3edaa594be1c" providerId="ADAL" clId="{69772F59-9B9B-47A9-8585-F757E0ADBE2D}" dt="2024-03-13T09:19:21.966" v="455" actId="20577"/>
+      <pc:docMkLst>
+        <pc:docMk/>
+      </pc:docMkLst>
+      <pc:sldChg chg="modSp mod">
+        <pc:chgData name="pdcxs" userId="f53f700a-6709-4045-8975-3edaa594be1c" providerId="ADAL" clId="{69772F59-9B9B-47A9-8585-F757E0ADBE2D}" dt="2024-03-13T09:19:21.966" v="455" actId="20577"/>
+        <pc:sldMkLst>
+          <pc:docMk/>
+          <pc:sldMk cId="2551258592" sldId="374"/>
+        </pc:sldMkLst>
+      </pc:sldChg>
+      <pc:sldChg chg="modSp add mod">
+        <pc:chgData name="pdcxs" userId="f53f700a-6709-4045-8975-3edaa594be1c" providerId="ADAL" clId="{69772F59-9B9B-47A9-8585-F757E0ADBE2D}" dt="2024-03-13T07:05:14.337" v="452" actId="20577"/>
+        <pc:sldMkLst>
+          <pc:docMk/>
+          <pc:sldMk cId="1851716824" sldId="387"/>
+        </pc:sldMkLst>
+      </pc:sldChg>
+    </pc:docChg>
+  </pc:docChgLst>
+  <pc:docChgLst>
     <pc:chgData name="pdcxs" userId="f53f700a-6709-4045-8975-3edaa594be1c" providerId="ADAL" clId="{ED1D3F12-90EF-4D8D-802D-D6A72C8B04DD}"/>
     <pc:docChg chg="undo redo custSel modSld">
       <pc:chgData name="pdcxs" userId="f53f700a-6709-4045-8975-3edaa594be1c" providerId="ADAL" clId="{ED1D3F12-90EF-4D8D-802D-D6A72C8B04DD}" dt="2024-03-13T04:23:22.717" v="645" actId="20577"/>
@@ -302,22 +341,6 @@
     </pc:docChg>
   </pc:docChgLst>
   <pc:docChgLst>
-    <pc:chgData name="pdcxs" userId="f53f700a-6709-4045-8975-3edaa594be1c" providerId="ADAL" clId="{194A3276-7153-4638-9462-69CD3127B1AD}"/>
-    <pc:docChg chg="modSld">
-      <pc:chgData name="pdcxs" userId="f53f700a-6709-4045-8975-3edaa594be1c" providerId="ADAL" clId="{194A3276-7153-4638-9462-69CD3127B1AD}" dt="2023-03-09T01:54:42.793" v="6" actId="20577"/>
-      <pc:docMkLst>
-        <pc:docMk/>
-      </pc:docMkLst>
-      <pc:sldChg chg="modSp mod">
-        <pc:chgData name="pdcxs" userId="f53f700a-6709-4045-8975-3edaa594be1c" providerId="ADAL" clId="{194A3276-7153-4638-9462-69CD3127B1AD}" dt="2023-03-09T01:54:42.793" v="6" actId="20577"/>
-        <pc:sldMkLst>
-          <pc:docMk/>
-          <pc:sldMk cId="753176371" sldId="306"/>
-        </pc:sldMkLst>
-      </pc:sldChg>
-    </pc:docChg>
-  </pc:docChgLst>
-  <pc:docChgLst>
     <pc:chgData name="pdcxs" userId="f53f700a-6709-4045-8975-3edaa594be1c" providerId="ADAL" clId="{AF7800A7-BAAD-4E2E-B823-EE57668FD433}"/>
     <pc:docChg chg="addSld delSld modSld">
       <pc:chgData name="pdcxs" userId="f53f700a-6709-4045-8975-3edaa594be1c" providerId="ADAL" clId="{AF7800A7-BAAD-4E2E-B823-EE57668FD433}" dt="2024-02-28T05:42:05.917" v="1" actId="47"/>
@@ -336,29 +359,6 @@
         <pc:sldMkLst>
           <pc:docMk/>
           <pc:sldMk cId="3280035750" sldId="386"/>
-        </pc:sldMkLst>
-      </pc:sldChg>
-    </pc:docChg>
-  </pc:docChgLst>
-  <pc:docChgLst>
-    <pc:chgData name="pdcxs" userId="f53f700a-6709-4045-8975-3edaa594be1c" providerId="ADAL" clId="{69772F59-9B9B-47A9-8585-F757E0ADBE2D}"/>
-    <pc:docChg chg="undo custSel addSld modSld">
-      <pc:chgData name="pdcxs" userId="f53f700a-6709-4045-8975-3edaa594be1c" providerId="ADAL" clId="{69772F59-9B9B-47A9-8585-F757E0ADBE2D}" dt="2024-03-13T09:19:21.966" v="455" actId="20577"/>
-      <pc:docMkLst>
-        <pc:docMk/>
-      </pc:docMkLst>
-      <pc:sldChg chg="modSp mod">
-        <pc:chgData name="pdcxs" userId="f53f700a-6709-4045-8975-3edaa594be1c" providerId="ADAL" clId="{69772F59-9B9B-47A9-8585-F757E0ADBE2D}" dt="2024-03-13T09:19:21.966" v="455" actId="20577"/>
-        <pc:sldMkLst>
-          <pc:docMk/>
-          <pc:sldMk cId="2551258592" sldId="374"/>
-        </pc:sldMkLst>
-      </pc:sldChg>
-      <pc:sldChg chg="modSp add mod">
-        <pc:chgData name="pdcxs" userId="f53f700a-6709-4045-8975-3edaa594be1c" providerId="ADAL" clId="{69772F59-9B9B-47A9-8585-F757E0ADBE2D}" dt="2024-03-13T07:05:14.337" v="452" actId="20577"/>
-        <pc:sldMkLst>
-          <pc:docMk/>
-          <pc:sldMk cId="1851716824" sldId="387"/>
         </pc:sldMkLst>
       </pc:sldChg>
     </pc:docChg>
@@ -489,7 +489,7 @@
               <a:pPr>
                 <a:defRPr/>
               </a:pPr>
-              <a:t>2025/4/14</a:t>
+              <a:t>2025/5/8</a:t>
             </a:fld>
             <a:endParaRPr lang="zh-CN" altLang="en-US"/>
           </a:p>
@@ -3109,7 +3109,7 @@
               <a:pPr>
                 <a:defRPr/>
               </a:pPr>
-              <a:t>2025/4/14</a:t>
+              <a:t>2025/5/8</a:t>
             </a:fld>
             <a:endParaRPr lang="zh-CN" altLang="en-US"/>
           </a:p>
@@ -3450,7 +3450,7 @@
               <a:pPr>
                 <a:defRPr/>
               </a:pPr>
-              <a:t>2025/4/14</a:t>
+              <a:t>2025/5/8</a:t>
             </a:fld>
             <a:endParaRPr lang="zh-CN" altLang="en-US"/>
           </a:p>
@@ -3713,7 +3713,7 @@
               <a:pPr>
                 <a:defRPr/>
               </a:pPr>
-              <a:t>2025/4/14</a:t>
+              <a:t>2025/5/8</a:t>
             </a:fld>
             <a:endParaRPr lang="zh-CN" altLang="en-US"/>
           </a:p>
@@ -3976,7 +3976,7 @@
               <a:pPr>
                 <a:defRPr/>
               </a:pPr>
-              <a:t>2025/4/14</a:t>
+              <a:t>2025/5/8</a:t>
             </a:fld>
             <a:endParaRPr lang="zh-CN" altLang="en-US"/>
           </a:p>
@@ -4284,7 +4284,7 @@
           <a:p>
             <a:fld id="{727B9DD9-119C-4B8D-B3AB-3CFC6AE69930}" type="datetimeFigureOut">
               <a:rPr lang="zh-CN" altLang="en-US" smtClean="0"/>
-              <a:t>2025/4/14</a:t>
+              <a:t>2025/5/8</a:t>
             </a:fld>
             <a:endParaRPr lang="zh-CN" altLang="en-US"/>
           </a:p>
@@ -4364,7 +4364,7 @@
         <p:random/>
       </p:transition>
     </mc:Choice>
-    <mc:Fallback xmlns:p15="http://schemas.microsoft.com/office/powerpoint/2012/main" xmlns="">
+    <mc:Fallback xmlns="" xmlns:p15="http://schemas.microsoft.com/office/powerpoint/2012/main">
       <p:transition spd="slow" advClick="0">
         <p:random/>
       </p:transition>
@@ -5646,7 +5646,7 @@
               <a:pPr>
                 <a:defRPr/>
               </a:pPr>
-              <a:t>2025/4/14</a:t>
+              <a:t>2025/5/8</a:t>
             </a:fld>
             <a:endParaRPr lang="zh-CN" altLang="en-US"/>
           </a:p>
@@ -6164,7 +6164,7 @@
               <a:pPr>
                 <a:defRPr/>
               </a:pPr>
-              <a:t>2025/4/14</a:t>
+              <a:t>2025/5/8</a:t>
             </a:fld>
             <a:endParaRPr lang="zh-CN" altLang="en-US"/>
           </a:p>
@@ -6368,7 +6368,7 @@
               <a:pPr>
                 <a:defRPr/>
               </a:pPr>
-              <a:t>2025/4/14</a:t>
+              <a:t>2025/5/8</a:t>
             </a:fld>
             <a:endParaRPr lang="zh-CN" altLang="en-US"/>
           </a:p>
@@ -6542,7 +6542,7 @@
               <a:pPr>
                 <a:defRPr/>
               </a:pPr>
-              <a:t>2025/4/14</a:t>
+              <a:t>2025/5/8</a:t>
             </a:fld>
             <a:endParaRPr lang="zh-CN" altLang="en-US"/>
           </a:p>
@@ -7402,7 +7402,7 @@
         <p:blinds dir="vert"/>
       </p:transition>
     </mc:Choice>
-    <mc:Fallback xmlns:p15="http://schemas.microsoft.com/office/powerpoint/2012/main" xmlns="">
+    <mc:Fallback xmlns="" xmlns:p15="http://schemas.microsoft.com/office/powerpoint/2012/main">
       <p:transition spd="slow" advClick="0">
         <p:blinds dir="vert"/>
       </p:transition>
@@ -16722,7 +16722,7 @@
         <p14:prism/>
       </p:transition>
     </mc:Choice>
-    <mc:Fallback xmlns:p15="http://schemas.microsoft.com/office/powerpoint/2012/main" xmlns="">
+    <mc:Fallback xmlns="" xmlns:p15="http://schemas.microsoft.com/office/powerpoint/2012/main">
       <p:transition spd="slow" advClick="0">
         <p:fade/>
       </p:transition>
@@ -18491,7 +18491,7 @@
         <p:spPr>
           <a:xfrm>
             <a:off x="110707" y="699542"/>
-            <a:ext cx="8925789" cy="2554545"/>
+            <a:ext cx="8925789" cy="2246769"/>
           </a:xfrm>
           <a:prstGeom prst="rect">
             <a:avLst/>
@@ -18513,43 +18513,35 @@
                 <a:latin typeface="微软雅黑" panose="020B0503020204020204" pitchFamily="34" charset="-122"/>
                 <a:ea typeface="微软雅黑" panose="020B0503020204020204" pitchFamily="34" charset="-122"/>
               </a:rPr>
-              <a:t>从</a:t>
+              <a:t>利用</a:t>
             </a:r>
             <a:r>
               <a:rPr lang="en-US" altLang="zh-CN" sz="2000" dirty="0">
                 <a:latin typeface="微软雅黑" panose="020B0503020204020204" pitchFamily="34" charset="-122"/>
                 <a:ea typeface="微软雅黑" panose="020B0503020204020204" pitchFamily="34" charset="-122"/>
               </a:rPr>
-              <a:t>processing.org</a:t>
+              <a:t>/demo/animation/</a:t>
+            </a:r>
+            <a:r>
+              <a:rPr lang="en-US" altLang="zh-CN" sz="2000" dirty="0" err="1">
+                <a:latin typeface="微软雅黑" panose="020B0503020204020204" pitchFamily="34" charset="-122"/>
+                <a:ea typeface="微软雅黑" panose="020B0503020204020204" pitchFamily="34" charset="-122"/>
+              </a:rPr>
+              <a:t>src</a:t>
+            </a:r>
+            <a:r>
+              <a:rPr lang="en-US" altLang="zh-CN" sz="2000" dirty="0">
+                <a:latin typeface="微软雅黑" panose="020B0503020204020204" pitchFamily="34" charset="-122"/>
+                <a:ea typeface="微软雅黑" panose="020B0503020204020204" pitchFamily="34" charset="-122"/>
+              </a:rPr>
+              <a:t>/engine</a:t>
             </a:r>
             <a:r>
               <a:rPr lang="zh-CN" altLang="en-US" sz="2000" dirty="0">
                 <a:latin typeface="微软雅黑" panose="020B0503020204020204" pitchFamily="34" charset="-122"/>
                 <a:ea typeface="微软雅黑" panose="020B0503020204020204" pitchFamily="34" charset="-122"/>
               </a:rPr>
-              <a:t>网站下载</a:t>
-            </a:r>
-            <a:r>
-              <a:rPr lang="en-US" altLang="zh-CN" sz="2000" dirty="0">
-                <a:latin typeface="微软雅黑" panose="020B0503020204020204" pitchFamily="34" charset="-122"/>
-                <a:ea typeface="微软雅黑" panose="020B0503020204020204" pitchFamily="34" charset="-122"/>
-              </a:rPr>
-              <a:t>processing</a:t>
-            </a:r>
-            <a:r>
-              <a:rPr lang="zh-CN" altLang="en-US" sz="2000" dirty="0">
-                <a:latin typeface="微软雅黑" panose="020B0503020204020204" pitchFamily="34" charset="-122"/>
-                <a:ea typeface="微软雅黑" panose="020B0503020204020204" pitchFamily="34" charset="-122"/>
-              </a:rPr>
-              <a:t>程序，并运行以下程序：</a:t>
-            </a:r>
-            <a:r>
-              <a:rPr lang="en-US" altLang="zh-CN" sz="2000" dirty="0">
-                <a:latin typeface="微软雅黑" panose="020B0503020204020204" pitchFamily="34" charset="-122"/>
-                <a:ea typeface="微软雅黑" panose="020B0503020204020204" pitchFamily="34" charset="-122"/>
-                <a:hlinkClick r:id="rId3"/>
-              </a:rPr>
-              <a:t>https://github.com/pdcxs/java-class-material/tree/main/demo/classdetails/src/StaticExample</a:t>
+              <a:t>中的代码，创建一个动画程序。</a:t>
             </a:r>
             <a:endParaRPr lang="en-US" altLang="zh-CN" sz="2000" dirty="0">
               <a:latin typeface="微软雅黑" panose="020B0503020204020204" pitchFamily="34" charset="-122"/>
@@ -18566,21 +18558,7 @@
                 <a:latin typeface="微软雅黑" panose="020B0503020204020204" pitchFamily="34" charset="-122"/>
                 <a:ea typeface="微软雅黑" panose="020B0503020204020204" pitchFamily="34" charset="-122"/>
               </a:rPr>
-              <a:t>改变该程序中的 </a:t>
-            </a:r>
-            <a:r>
-              <a:rPr lang="en-US" altLang="zh-CN" sz="2000" dirty="0">
-                <a:latin typeface="微软雅黑" panose="020B0503020204020204" pitchFamily="34" charset="-122"/>
-                <a:ea typeface="微软雅黑" panose="020B0503020204020204" pitchFamily="34" charset="-122"/>
-              </a:rPr>
-              <a:t>class Ball</a:t>
-            </a:r>
-            <a:r>
-              <a:rPr lang="zh-CN" altLang="en-US" sz="2000" dirty="0">
-                <a:latin typeface="微软雅黑" panose="020B0503020204020204" pitchFamily="34" charset="-122"/>
-                <a:ea typeface="微软雅黑" panose="020B0503020204020204" pitchFamily="34" charset="-122"/>
-              </a:rPr>
-              <a:t>，使其可以：</a:t>
+              <a:t>创建一个粒子系统，每个粒子都是一个圆形。</a:t>
             </a:r>
             <a:endParaRPr lang="en-US" altLang="zh-CN" sz="2000" dirty="0">
               <a:latin typeface="微软雅黑" panose="020B0503020204020204" pitchFamily="34" charset="-122"/>
@@ -18588,44 +18566,16 @@
             </a:endParaRPr>
           </a:p>
           <a:p>
-            <a:pPr marL="914400" lvl="1" indent="-457200">
-              <a:buFont typeface="+mj-lt"/>
-              <a:buAutoNum type="arabicPeriod"/>
+            <a:pPr marL="285750" indent="-285750">
+              <a:buFont typeface="Arial" panose="020B0604020202020204" pitchFamily="34" charset="0"/>
+              <a:buChar char="•"/>
             </a:pPr>
             <a:r>
               <a:rPr lang="zh-CN" altLang="en-US" sz="2000" dirty="0">
                 <a:latin typeface="微软雅黑" panose="020B0503020204020204" pitchFamily="34" charset="-122"/>
                 <a:ea typeface="微软雅黑" panose="020B0503020204020204" pitchFamily="34" charset="-122"/>
               </a:rPr>
-              <a:t>每一个</a:t>
-            </a:r>
-            <a:r>
-              <a:rPr lang="en-US" altLang="zh-CN" sz="2000" dirty="0">
-                <a:latin typeface="微软雅黑" panose="020B0503020204020204" pitchFamily="34" charset="-122"/>
-                <a:ea typeface="微软雅黑" panose="020B0503020204020204" pitchFamily="34" charset="-122"/>
-              </a:rPr>
-              <a:t>Ball</a:t>
-            </a:r>
-            <a:r>
-              <a:rPr lang="zh-CN" altLang="en-US" sz="2000" dirty="0">
-                <a:latin typeface="微软雅黑" panose="020B0503020204020204" pitchFamily="34" charset="-122"/>
-                <a:ea typeface="微软雅黑" panose="020B0503020204020204" pitchFamily="34" charset="-122"/>
-              </a:rPr>
-              <a:t>有不同的</a:t>
-            </a:r>
-            <a:r>
-              <a:rPr lang="en-US" altLang="zh-CN" sz="2000" dirty="0">
-                <a:latin typeface="微软雅黑" panose="020B0503020204020204" pitchFamily="34" charset="-122"/>
-                <a:ea typeface="微软雅黑" panose="020B0503020204020204" pitchFamily="34" charset="-122"/>
-              </a:rPr>
-              <a:t>radius</a:t>
-            </a:r>
-            <a:r>
-              <a:rPr lang="zh-CN" altLang="en-US" sz="2000" dirty="0">
-                <a:latin typeface="微软雅黑" panose="020B0503020204020204" pitchFamily="34" charset="-122"/>
-                <a:ea typeface="微软雅黑" panose="020B0503020204020204" pitchFamily="34" charset="-122"/>
-              </a:rPr>
-              <a:t>，并在初始化时确定一个随机值。</a:t>
+              <a:t>每个圆形的半径是一个随机数，颜色也是随机生成。</a:t>
             </a:r>
             <a:endParaRPr lang="en-US" altLang="zh-CN" sz="2000" dirty="0">
               <a:latin typeface="微软雅黑" panose="020B0503020204020204" pitchFamily="34" charset="-122"/>
@@ -18633,16 +18583,16 @@
             </a:endParaRPr>
           </a:p>
           <a:p>
-            <a:pPr marL="914400" lvl="1" indent="-457200">
-              <a:buFont typeface="+mj-lt"/>
-              <a:buAutoNum type="arabicPeriod"/>
+            <a:pPr marL="285750" indent="-285750">
+              <a:buFont typeface="Arial" panose="020B0604020202020204" pitchFamily="34" charset="0"/>
+              <a:buChar char="•"/>
             </a:pPr>
             <a:r>
               <a:rPr lang="zh-CN" altLang="en-US" sz="2000" dirty="0">
                 <a:latin typeface="微软雅黑" panose="020B0503020204020204" pitchFamily="34" charset="-122"/>
                 <a:ea typeface="微软雅黑" panose="020B0503020204020204" pitchFamily="34" charset="-122"/>
               </a:rPr>
-              <a:t>形状不同，可能画出圆或者三角。</a:t>
+              <a:t>每个粒子从下方正中间向上抛出，向上的速度以及水平速度是随机的。最终效果类似喷泉。</a:t>
             </a:r>
             <a:endParaRPr lang="en-US" altLang="zh-CN" sz="2000" dirty="0">
               <a:latin typeface="微软雅黑" panose="020B0503020204020204" pitchFamily="34" charset="-122"/>
@@ -18650,7 +18600,7 @@
             </a:endParaRPr>
           </a:p>
           <a:p>
-            <a:pPr marL="457200" indent="-457200">
+            <a:pPr marL="285750" indent="-285750">
               <a:buFont typeface="Arial" panose="020B0604020202020204" pitchFamily="34" charset="0"/>
               <a:buChar char="•"/>
             </a:pPr>
@@ -18659,75 +18609,51 @@
                 <a:latin typeface="微软雅黑" panose="020B0503020204020204" pitchFamily="34" charset="-122"/>
                 <a:ea typeface="微软雅黑" panose="020B0503020204020204" pitchFamily="34" charset="-122"/>
               </a:rPr>
-              <a:t>将程序打包成</a:t>
+              <a:t>将除了</a:t>
             </a:r>
             <a:r>
               <a:rPr lang="en-US" altLang="zh-CN" sz="2000" dirty="0">
                 <a:latin typeface="微软雅黑" panose="020B0503020204020204" pitchFamily="34" charset="-122"/>
                 <a:ea typeface="微软雅黑" panose="020B0503020204020204" pitchFamily="34" charset="-122"/>
               </a:rPr>
-              <a:t>zip</a:t>
+              <a:t>engine</a:t>
             </a:r>
             <a:r>
               <a:rPr lang="zh-CN" altLang="en-US" sz="2000" dirty="0">
                 <a:latin typeface="微软雅黑" panose="020B0503020204020204" pitchFamily="34" charset="-122"/>
                 <a:ea typeface="微软雅黑" panose="020B0503020204020204" pitchFamily="34" charset="-122"/>
               </a:rPr>
-              <a:t>文件，命名式为学号</a:t>
+              <a:t>以外的代码，用</a:t>
             </a:r>
             <a:r>
               <a:rPr lang="en-US" altLang="zh-CN" sz="2000" dirty="0">
                 <a:latin typeface="微软雅黑" panose="020B0503020204020204" pitchFamily="34" charset="-122"/>
                 <a:ea typeface="微软雅黑" panose="020B0503020204020204" pitchFamily="34" charset="-122"/>
-              </a:rPr>
-              <a:t>+</a:t>
+                <a:hlinkClick r:id="rId3"/>
+              </a:rPr>
+              <a:t>https://carbon.now.sh/</a:t>
             </a:r>
             <a:r>
               <a:rPr lang="zh-CN" altLang="en-US" sz="2000" dirty="0">
                 <a:latin typeface="微软雅黑" panose="020B0503020204020204" pitchFamily="34" charset="-122"/>
                 <a:ea typeface="微软雅黑" panose="020B0503020204020204" pitchFamily="34" charset="-122"/>
               </a:rPr>
-              <a:t>姓名，如：</a:t>
+              <a:t>合并成一张图片，提交到</a:t>
             </a:r>
             <a:r>
               <a:rPr lang="en-US" altLang="zh-CN" sz="2000" dirty="0">
                 <a:latin typeface="微软雅黑" panose="020B0503020204020204" pitchFamily="34" charset="-122"/>
                 <a:ea typeface="微软雅黑" panose="020B0503020204020204" pitchFamily="34" charset="-122"/>
               </a:rPr>
-              <a:t>20220001+</a:t>
+              <a:t>QQ</a:t>
             </a:r>
             <a:r>
               <a:rPr lang="zh-CN" altLang="en-US" sz="2000" dirty="0">
                 <a:latin typeface="微软雅黑" panose="020B0503020204020204" pitchFamily="34" charset="-122"/>
                 <a:ea typeface="微软雅黑" panose="020B0503020204020204" pitchFamily="34" charset="-122"/>
               </a:rPr>
-              <a:t>张三</a:t>
-            </a:r>
-            <a:r>
-              <a:rPr lang="en-US" altLang="zh-CN" sz="2000" dirty="0">
-                <a:latin typeface="微软雅黑" panose="020B0503020204020204" pitchFamily="34" charset="-122"/>
-                <a:ea typeface="微软雅黑" panose="020B0503020204020204" pitchFamily="34" charset="-122"/>
-              </a:rPr>
-              <a:t>.zip</a:t>
-            </a:r>
-            <a:r>
-              <a:rPr lang="zh-CN" altLang="en-US" sz="2000" dirty="0">
-                <a:latin typeface="微软雅黑" panose="020B0503020204020204" pitchFamily="34" charset="-122"/>
-                <a:ea typeface="微软雅黑" panose="020B0503020204020204" pitchFamily="34" charset="-122"/>
-              </a:rPr>
-              <a:t>。发送至</a:t>
-            </a:r>
-            <a:r>
-              <a:rPr lang="en-US" altLang="zh-CN" sz="2000" dirty="0">
-                <a:latin typeface="微软雅黑" panose="020B0503020204020204" pitchFamily="34" charset="-122"/>
-                <a:ea typeface="微软雅黑" panose="020B0503020204020204" pitchFamily="34" charset="-122"/>
-              </a:rPr>
-              <a:t>pdcxs@outlook.com</a:t>
-            </a:r>
-            <a:endParaRPr lang="zh-CN" altLang="en-US" sz="2000" dirty="0">
-              <a:latin typeface="微软雅黑" panose="020B0503020204020204" pitchFamily="34" charset="-122"/>
-              <a:ea typeface="微软雅黑" panose="020B0503020204020204" pitchFamily="34" charset="-122"/>
-            </a:endParaRPr>
+              <a:t>作业中。</a:t>
+            </a:r>
           </a:p>
         </p:txBody>
       </p:sp>
@@ -19038,7 +18964,7 @@
     <mc:Choice Requires="p14">
       <p:transition spd="slow" p14:dur="2000" advClick="0"/>
     </mc:Choice>
-    <mc:Fallback xmlns:p15="http://schemas.microsoft.com/office/powerpoint/2012/main" xmlns="">
+    <mc:Fallback xmlns="" xmlns:p15="http://schemas.microsoft.com/office/powerpoint/2012/main">
       <p:transition spd="slow" advClick="0"/>
     </mc:Fallback>
   </mc:AlternateContent>
@@ -21496,7 +21422,7 @@
         <p:blinds dir="vert"/>
       </p:transition>
     </mc:Choice>
-    <mc:Fallback xmlns:p15="http://schemas.microsoft.com/office/powerpoint/2012/main" xmlns="">
+    <mc:Fallback xmlns="" xmlns:p15="http://schemas.microsoft.com/office/powerpoint/2012/main">
       <p:transition spd="slow" advClick="0">
         <p:blinds dir="vert"/>
       </p:transition>
@@ -22058,7 +21984,7 @@
         <p:blinds dir="vert"/>
       </p:transition>
     </mc:Choice>
-    <mc:Fallback xmlns:p15="http://schemas.microsoft.com/office/powerpoint/2012/main" xmlns="">
+    <mc:Fallback xmlns="" xmlns:p15="http://schemas.microsoft.com/office/powerpoint/2012/main">
       <p:transition spd="slow" advClick="0">
         <p:blinds dir="vert"/>
       </p:transition>
@@ -23282,7 +23208,7 @@
         <p:blinds dir="vert"/>
       </p:transition>
     </mc:Choice>
-    <mc:Fallback xmlns:p15="http://schemas.microsoft.com/office/powerpoint/2012/main" xmlns="">
+    <mc:Fallback xmlns="" xmlns:p15="http://schemas.microsoft.com/office/powerpoint/2012/main">
       <p:transition spd="slow" advClick="0">
         <p:blinds dir="vert"/>
       </p:transition>
@@ -24034,7 +23960,7 @@
         <p:blinds dir="vert"/>
       </p:transition>
     </mc:Choice>
-    <mc:Fallback xmlns="" xmlns:p15="http://schemas.microsoft.com/office/powerpoint/2012/main">
+    <mc:Fallback xmlns:p15="http://schemas.microsoft.com/office/powerpoint/2012/main" xmlns="">
       <p:transition spd="slow" advClick="0">
         <p:blinds dir="vert"/>
       </p:transition>
